--- a/非受控文档/PPT/UML基础Ⅰ.pptx
+++ b/非受控文档/PPT/UML基础Ⅰ.pptx
@@ -5,39 +5,39 @@
     <p:sldMasterId id="2147483648" r:id="rId1"/>
   </p:sldMasterIdLst>
   <p:notesMasterIdLst>
-    <p:notesMasterId r:id="rId4"/>
+    <p:notesMasterId r:id="rId29"/>
   </p:notesMasterIdLst>
   <p:sldIdLst>
-    <p:sldId id="256" r:id="rId3"/>
-    <p:sldId id="257" r:id="rId5"/>
-    <p:sldId id="258" r:id="rId6"/>
-    <p:sldId id="261" r:id="rId7"/>
-    <p:sldId id="292" r:id="rId8"/>
-    <p:sldId id="262" r:id="rId9"/>
-    <p:sldId id="263" r:id="rId10"/>
-    <p:sldId id="293" r:id="rId11"/>
-    <p:sldId id="264" r:id="rId12"/>
-    <p:sldId id="265" r:id="rId13"/>
-    <p:sldId id="294" r:id="rId14"/>
-    <p:sldId id="266" r:id="rId15"/>
-    <p:sldId id="268" r:id="rId16"/>
-    <p:sldId id="269" r:id="rId17"/>
-    <p:sldId id="270" r:id="rId18"/>
-    <p:sldId id="271" r:id="rId19"/>
-    <p:sldId id="272" r:id="rId20"/>
-    <p:sldId id="295" r:id="rId21"/>
-    <p:sldId id="283" r:id="rId22"/>
-    <p:sldId id="280" r:id="rId23"/>
-    <p:sldId id="284" r:id="rId24"/>
-    <p:sldId id="285" r:id="rId25"/>
-    <p:sldId id="286" r:id="rId26"/>
-    <p:sldId id="287" r:id="rId27"/>
-    <p:sldId id="288" r:id="rId28"/>
-    <p:sldId id="281" r:id="rId29"/>
-    <p:sldId id="282" r:id="rId30"/>
+    <p:sldId id="256" r:id="rId2"/>
+    <p:sldId id="257" r:id="rId3"/>
+    <p:sldId id="258" r:id="rId4"/>
+    <p:sldId id="261" r:id="rId5"/>
+    <p:sldId id="292" r:id="rId6"/>
+    <p:sldId id="262" r:id="rId7"/>
+    <p:sldId id="263" r:id="rId8"/>
+    <p:sldId id="293" r:id="rId9"/>
+    <p:sldId id="264" r:id="rId10"/>
+    <p:sldId id="265" r:id="rId11"/>
+    <p:sldId id="294" r:id="rId12"/>
+    <p:sldId id="266" r:id="rId13"/>
+    <p:sldId id="268" r:id="rId14"/>
+    <p:sldId id="269" r:id="rId15"/>
+    <p:sldId id="270" r:id="rId16"/>
+    <p:sldId id="271" r:id="rId17"/>
+    <p:sldId id="272" r:id="rId18"/>
+    <p:sldId id="295" r:id="rId19"/>
+    <p:sldId id="283" r:id="rId20"/>
+    <p:sldId id="280" r:id="rId21"/>
+    <p:sldId id="284" r:id="rId22"/>
+    <p:sldId id="285" r:id="rId23"/>
+    <p:sldId id="286" r:id="rId24"/>
+    <p:sldId id="287" r:id="rId25"/>
+    <p:sldId id="288" r:id="rId26"/>
+    <p:sldId id="281" r:id="rId27"/>
+    <p:sldId id="282" r:id="rId28"/>
   </p:sldIdLst>
   <p:sldSz cx="12192000" cy="6858000"/>
-  <p:notesSz cx="7103745" cy="10234295"/>
+  <p:notesSz cx="7104063" cy="10234613"/>
   <p:defaultTextStyle>
     <a:defPPr>
       <a:defRPr lang="zh-CN"/>
@@ -133,7 +133,16 @@
       </a:defRPr>
     </a:lvl9pPr>
   </p:defaultTextStyle>
+  <p:extLst>
+    <p:ext uri="{EFAFB233-063F-42B5-8137-9DF3F51BA10A}">
+      <p15:sldGuideLst xmlns:p15="http://schemas.microsoft.com/office/powerpoint/2012/main"/>
+    </p:ext>
+  </p:extLst>
 </p:presentation>
+</file>
+
+<file path=ppt/revisionInfo.xml><?xml version="1.0" encoding="utf-8"?>
+<p1510:revInfo xmlns:a="http://schemas.openxmlformats.org/drawingml/2006/main" xmlns:r="http://schemas.openxmlformats.org/officeDocument/2006/relationships" xmlns:p1510="http://schemas.microsoft.com/office/powerpoint/2015/10/main"/>
 </file>
 
 <file path=ppt/notesMasters/notesMaster1.xml><?xml version="1.0" encoding="utf-8"?>
@@ -218,6 +227,7 @@
           <a:p>
             <a:fld id="{D2A48B96-639E-45A3-A0BA-2464DFDB1FAA}" type="datetimeFigureOut">
               <a:rPr lang="zh-CN" altLang="en-US" smtClean="0"/>
+              <a:t>2017/11/12</a:t>
             </a:fld>
             <a:endParaRPr lang="zh-CN" altLang="en-US"/>
           </a:p>
@@ -281,42 +291,37 @@
           <a:p>
             <a:pPr lvl="0"/>
             <a:r>
-              <a:rPr lang="zh-CN" altLang="en-US" smtClean="0"/>
+              <a:rPr lang="zh-CN" altLang="en-US"/>
               <a:t>单击此处编辑母版文本样式</a:t>
             </a:r>
-            <a:endParaRPr lang="zh-CN" altLang="en-US" smtClean="0"/>
           </a:p>
           <a:p>
             <a:pPr lvl="1"/>
             <a:r>
-              <a:rPr lang="zh-CN" altLang="en-US" smtClean="0"/>
+              <a:rPr lang="zh-CN" altLang="en-US"/>
               <a:t>第二级</a:t>
             </a:r>
-            <a:endParaRPr lang="zh-CN" altLang="en-US" smtClean="0"/>
           </a:p>
           <a:p>
             <a:pPr lvl="2"/>
             <a:r>
-              <a:rPr lang="zh-CN" altLang="en-US" smtClean="0"/>
+              <a:rPr lang="zh-CN" altLang="en-US"/>
               <a:t>第三级</a:t>
             </a:r>
-            <a:endParaRPr lang="zh-CN" altLang="en-US" smtClean="0"/>
           </a:p>
           <a:p>
             <a:pPr lvl="3"/>
             <a:r>
-              <a:rPr lang="zh-CN" altLang="en-US" smtClean="0"/>
+              <a:rPr lang="zh-CN" altLang="en-US"/>
               <a:t>第四级</a:t>
             </a:r>
-            <a:endParaRPr lang="zh-CN" altLang="en-US" smtClean="0"/>
           </a:p>
           <a:p>
             <a:pPr lvl="4"/>
             <a:r>
-              <a:rPr lang="zh-CN" altLang="en-US" smtClean="0"/>
+              <a:rPr lang="zh-CN" altLang="en-US"/>
               <a:t>第五级</a:t>
             </a:r>
-            <a:endParaRPr lang="zh-CN" altLang="en-US"/>
           </a:p>
         </p:txBody>
       </p:sp>
@@ -380,6 +385,7 @@
           <a:p>
             <a:fld id="{A6837353-30EB-4A48-80EB-173D804AEFBD}" type="slidenum">
               <a:rPr lang="zh-CN" altLang="en-US" smtClean="0"/>
+              <a:t>‹#›</a:t>
             </a:fld>
             <a:endParaRPr lang="zh-CN" altLang="en-US"/>
           </a:p>
@@ -553,6 +559,7 @@
           <a:p>
             <a:fld id="{D23BE866-C9F4-4953-AF6C-27968751A9E5}" type="slidenum">
               <a:rPr lang="zh-CN" altLang="en-US" smtClean="0"/>
+              <a:t>1</a:t>
             </a:fld>
             <a:endParaRPr lang="zh-CN" altLang="en-US"/>
           </a:p>
@@ -657,7 +664,7 @@
                 <a:spcPct val="0"/>
               </a:spcBef>
             </a:pPr>
-            <a:endParaRPr lang="zh-CN" altLang="en-US" smtClean="0"/>
+            <a:endParaRPr lang="zh-CN" altLang="en-US"/>
           </a:p>
         </p:txBody>
       </p:sp>
@@ -807,8 +814,9 @@
               <a:rPr lang="zh-CN" altLang="en-US" smtClean="0">
                 <a:latin typeface="Calibri" panose="020F0502020204030204" pitchFamily="34" charset="0"/>
               </a:rPr>
+              <a:t>13</a:t>
             </a:fld>
-            <a:endParaRPr lang="zh-CN" altLang="en-US" smtClean="0">
+            <a:endParaRPr lang="zh-CN" altLang="en-US">
               <a:latin typeface="Calibri" panose="020F0502020204030204" pitchFamily="34" charset="0"/>
             </a:endParaRPr>
           </a:p>
@@ -913,7 +921,7 @@
                 <a:spcPct val="0"/>
               </a:spcBef>
             </a:pPr>
-            <a:endParaRPr lang="zh-CN" altLang="en-US" smtClean="0"/>
+            <a:endParaRPr lang="zh-CN" altLang="en-US"/>
           </a:p>
         </p:txBody>
       </p:sp>
@@ -1063,8 +1071,9 @@
               <a:rPr lang="zh-CN" altLang="en-US" smtClean="0">
                 <a:latin typeface="Calibri" panose="020F0502020204030204" pitchFamily="34" charset="0"/>
               </a:rPr>
+              <a:t>14</a:t>
             </a:fld>
-            <a:endParaRPr lang="zh-CN" altLang="en-US" smtClean="0">
+            <a:endParaRPr lang="zh-CN" altLang="en-US">
               <a:latin typeface="Calibri" panose="020F0502020204030204" pitchFamily="34" charset="0"/>
             </a:endParaRPr>
           </a:p>
@@ -1169,7 +1178,7 @@
                 <a:spcPct val="0"/>
               </a:spcBef>
             </a:pPr>
-            <a:endParaRPr lang="zh-CN" altLang="en-US" smtClean="0"/>
+            <a:endParaRPr lang="zh-CN" altLang="en-US"/>
           </a:p>
         </p:txBody>
       </p:sp>
@@ -1319,8 +1328,9 @@
               <a:rPr lang="zh-CN" altLang="en-US" smtClean="0">
                 <a:latin typeface="Calibri" panose="020F0502020204030204" pitchFamily="34" charset="0"/>
               </a:rPr>
+              <a:t>15</a:t>
             </a:fld>
-            <a:endParaRPr lang="zh-CN" altLang="en-US" smtClean="0">
+            <a:endParaRPr lang="zh-CN" altLang="en-US">
               <a:latin typeface="Calibri" panose="020F0502020204030204" pitchFamily="34" charset="0"/>
             </a:endParaRPr>
           </a:p>
@@ -1425,7 +1435,7 @@
                 <a:spcPct val="0"/>
               </a:spcBef>
             </a:pPr>
-            <a:endParaRPr lang="zh-CN" altLang="en-US" smtClean="0"/>
+            <a:endParaRPr lang="zh-CN" altLang="en-US"/>
           </a:p>
         </p:txBody>
       </p:sp>
@@ -1575,8 +1585,9 @@
               <a:rPr lang="zh-CN" altLang="en-US" smtClean="0">
                 <a:latin typeface="Calibri" panose="020F0502020204030204" pitchFamily="34" charset="0"/>
               </a:rPr>
+              <a:t>16</a:t>
             </a:fld>
-            <a:endParaRPr lang="zh-CN" altLang="en-US" smtClean="0">
+            <a:endParaRPr lang="zh-CN" altLang="en-US">
               <a:latin typeface="Calibri" panose="020F0502020204030204" pitchFamily="34" charset="0"/>
             </a:endParaRPr>
           </a:p>
@@ -1681,7 +1692,7 @@
                 <a:spcPct val="0"/>
               </a:spcBef>
             </a:pPr>
-            <a:endParaRPr lang="zh-CN" altLang="en-US" smtClean="0"/>
+            <a:endParaRPr lang="zh-CN" altLang="en-US"/>
           </a:p>
         </p:txBody>
       </p:sp>
@@ -1831,8 +1842,9 @@
               <a:rPr lang="zh-CN" altLang="en-US" smtClean="0">
                 <a:latin typeface="Calibri" panose="020F0502020204030204" pitchFamily="34" charset="0"/>
               </a:rPr>
+              <a:t>17</a:t>
             </a:fld>
-            <a:endParaRPr lang="zh-CN" altLang="en-US" smtClean="0">
+            <a:endParaRPr lang="zh-CN" altLang="en-US">
               <a:latin typeface="Calibri" panose="020F0502020204030204" pitchFamily="34" charset="0"/>
             </a:endParaRPr>
           </a:p>
@@ -1937,7 +1949,7 @@
                 <a:spcPct val="0"/>
               </a:spcBef>
             </a:pPr>
-            <a:endParaRPr lang="zh-CN" altLang="en-US" smtClean="0"/>
+            <a:endParaRPr lang="zh-CN" altLang="en-US"/>
           </a:p>
         </p:txBody>
       </p:sp>
@@ -2085,8 +2097,9 @@
           <a:p>
             <a:fld id="{BC20EA31-2372-4905-8B2F-B9C4E71F448A}" type="slidenum">
               <a:rPr lang="zh-CN" altLang="en-US" smtClean="0"/>
+              <a:t>20</a:t>
             </a:fld>
-            <a:endParaRPr lang="zh-CN" altLang="en-US" smtClean="0"/>
+            <a:endParaRPr lang="zh-CN" altLang="en-US"/>
           </a:p>
         </p:txBody>
       </p:sp>
@@ -2189,7 +2202,7 @@
                 <a:spcPct val="0"/>
               </a:spcBef>
             </a:pPr>
-            <a:endParaRPr lang="zh-CN" altLang="en-US" smtClean="0"/>
+            <a:endParaRPr lang="zh-CN" altLang="en-US"/>
           </a:p>
         </p:txBody>
       </p:sp>
@@ -2337,8 +2350,9 @@
           <a:p>
             <a:fld id="{BC20EA31-2372-4905-8B2F-B9C4E71F448A}" type="slidenum">
               <a:rPr lang="zh-CN" altLang="en-US" smtClean="0"/>
+              <a:t>26</a:t>
             </a:fld>
-            <a:endParaRPr lang="zh-CN" altLang="en-US" smtClean="0"/>
+            <a:endParaRPr lang="zh-CN" altLang="en-US"/>
           </a:p>
         </p:txBody>
       </p:sp>
@@ -2420,6 +2434,7 @@
           <a:p>
             <a:fld id="{D23BE866-C9F4-4953-AF6C-27968751A9E5}" type="slidenum">
               <a:rPr lang="zh-CN" altLang="en-US" smtClean="0"/>
+              <a:t>27</a:t>
             </a:fld>
             <a:endParaRPr lang="zh-CN" altLang="en-US"/>
           </a:p>
@@ -2503,6 +2518,7 @@
           <a:p>
             <a:fld id="{D23BE866-C9F4-4953-AF6C-27968751A9E5}" type="slidenum">
               <a:rPr lang="zh-CN" altLang="en-US" smtClean="0"/>
+              <a:t>2</a:t>
             </a:fld>
             <a:endParaRPr lang="zh-CN" altLang="en-US"/>
           </a:p>
@@ -2586,6 +2602,7 @@
           <a:p>
             <a:fld id="{D23BE866-C9F4-4953-AF6C-27968751A9E5}" type="slidenum">
               <a:rPr lang="zh-CN" altLang="en-US" smtClean="0"/>
+              <a:t>3</a:t>
             </a:fld>
             <a:endParaRPr lang="zh-CN" altLang="en-US"/>
           </a:p>
@@ -2690,7 +2707,7 @@
                 <a:spcPct val="0"/>
               </a:spcBef>
             </a:pPr>
-            <a:endParaRPr lang="zh-CN" altLang="en-US" smtClean="0"/>
+            <a:endParaRPr lang="zh-CN" altLang="en-US"/>
           </a:p>
         </p:txBody>
       </p:sp>
@@ -2840,8 +2857,9 @@
               <a:rPr lang="zh-CN" altLang="en-US" smtClean="0">
                 <a:latin typeface="Calibri" panose="020F0502020204030204" pitchFamily="34" charset="0"/>
               </a:rPr>
+              <a:t>4</a:t>
             </a:fld>
-            <a:endParaRPr lang="zh-CN" altLang="en-US" smtClean="0">
+            <a:endParaRPr lang="zh-CN" altLang="en-US">
               <a:latin typeface="Calibri" panose="020F0502020204030204" pitchFamily="34" charset="0"/>
             </a:endParaRPr>
           </a:p>
@@ -2946,7 +2964,7 @@
                 <a:spcPct val="0"/>
               </a:spcBef>
             </a:pPr>
-            <a:endParaRPr lang="zh-CN" altLang="en-US" smtClean="0"/>
+            <a:endParaRPr lang="zh-CN" altLang="en-US"/>
           </a:p>
         </p:txBody>
       </p:sp>
@@ -3096,8 +3114,9 @@
               <a:rPr lang="zh-CN" altLang="en-US" smtClean="0">
                 <a:latin typeface="Calibri" panose="020F0502020204030204" pitchFamily="34" charset="0"/>
               </a:rPr>
+              <a:t>6</a:t>
             </a:fld>
-            <a:endParaRPr lang="zh-CN" altLang="en-US" smtClean="0">
+            <a:endParaRPr lang="zh-CN" altLang="en-US">
               <a:latin typeface="Calibri" panose="020F0502020204030204" pitchFamily="34" charset="0"/>
             </a:endParaRPr>
           </a:p>
@@ -3202,7 +3221,7 @@
                 <a:spcPct val="0"/>
               </a:spcBef>
             </a:pPr>
-            <a:endParaRPr lang="zh-CN" altLang="en-US" smtClean="0"/>
+            <a:endParaRPr lang="zh-CN" altLang="en-US"/>
           </a:p>
         </p:txBody>
       </p:sp>
@@ -3352,8 +3371,9 @@
               <a:rPr lang="zh-CN" altLang="en-US" smtClean="0">
                 <a:latin typeface="Calibri" panose="020F0502020204030204" pitchFamily="34" charset="0"/>
               </a:rPr>
+              <a:t>7</a:t>
             </a:fld>
-            <a:endParaRPr lang="zh-CN" altLang="en-US" smtClean="0">
+            <a:endParaRPr lang="zh-CN" altLang="en-US">
               <a:latin typeface="Calibri" panose="020F0502020204030204" pitchFamily="34" charset="0"/>
             </a:endParaRPr>
           </a:p>
@@ -3458,7 +3478,7 @@
                 <a:spcPct val="0"/>
               </a:spcBef>
             </a:pPr>
-            <a:endParaRPr lang="zh-CN" altLang="en-US" smtClean="0"/>
+            <a:endParaRPr lang="zh-CN" altLang="en-US"/>
           </a:p>
         </p:txBody>
       </p:sp>
@@ -3608,8 +3628,9 @@
               <a:rPr lang="zh-CN" altLang="en-US" smtClean="0">
                 <a:latin typeface="Calibri" panose="020F0502020204030204" pitchFamily="34" charset="0"/>
               </a:rPr>
+              <a:t>9</a:t>
             </a:fld>
-            <a:endParaRPr lang="zh-CN" altLang="en-US" smtClean="0">
+            <a:endParaRPr lang="zh-CN" altLang="en-US">
               <a:latin typeface="Calibri" panose="020F0502020204030204" pitchFamily="34" charset="0"/>
             </a:endParaRPr>
           </a:p>
@@ -3714,7 +3735,7 @@
                 <a:spcPct val="0"/>
               </a:spcBef>
             </a:pPr>
-            <a:endParaRPr lang="zh-CN" altLang="en-US" smtClean="0"/>
+            <a:endParaRPr lang="zh-CN" altLang="en-US"/>
           </a:p>
         </p:txBody>
       </p:sp>
@@ -3864,8 +3885,9 @@
               <a:rPr lang="zh-CN" altLang="en-US" smtClean="0">
                 <a:latin typeface="Calibri" panose="020F0502020204030204" pitchFamily="34" charset="0"/>
               </a:rPr>
+              <a:t>10</a:t>
             </a:fld>
-            <a:endParaRPr lang="zh-CN" altLang="en-US" smtClean="0">
+            <a:endParaRPr lang="zh-CN" altLang="en-US">
               <a:latin typeface="Calibri" panose="020F0502020204030204" pitchFamily="34" charset="0"/>
             </a:endParaRPr>
           </a:p>
@@ -3970,7 +3992,7 @@
                 <a:spcPct val="0"/>
               </a:spcBef>
             </a:pPr>
-            <a:endParaRPr lang="zh-CN" altLang="en-US" smtClean="0"/>
+            <a:endParaRPr lang="zh-CN" altLang="en-US"/>
           </a:p>
         </p:txBody>
       </p:sp>
@@ -4120,8 +4142,9 @@
               <a:rPr lang="zh-CN" altLang="en-US" smtClean="0">
                 <a:latin typeface="Calibri" panose="020F0502020204030204" pitchFamily="34" charset="0"/>
               </a:rPr>
+              <a:t>12</a:t>
             </a:fld>
-            <a:endParaRPr lang="zh-CN" altLang="en-US" smtClean="0">
+            <a:endParaRPr lang="zh-CN" altLang="en-US">
               <a:latin typeface="Calibri" panose="020F0502020204030204" pitchFamily="34" charset="0"/>
             </a:endParaRPr>
           </a:p>
@@ -4136,7 +4159,7 @@
 </file>
 
 <file path=ppt/slideLayouts/slideLayout1.xml><?xml version="1.0" encoding="utf-8"?>
-<p:sldLayout xmlns:a="http://schemas.openxmlformats.org/drawingml/2006/main" xmlns:r="http://schemas.openxmlformats.org/officeDocument/2006/relationships" xmlns:p="http://schemas.openxmlformats.org/presentationml/2006/main" type="title" preserve="1" showMasterSp="0">
+<p:sldLayout xmlns:a="http://schemas.openxmlformats.org/drawingml/2006/main" xmlns:r="http://schemas.openxmlformats.org/officeDocument/2006/relationships" xmlns:p="http://schemas.openxmlformats.org/presentationml/2006/main" showMasterSp="0" type="title" preserve="1">
   <p:cSld name="标题幻灯片">
     <p:bg>
       <p:bgPr>
@@ -4191,7 +4214,7 @@
           </a:lstStyle>
           <a:p>
             <a:r>
-              <a:rPr lang="zh-CN" altLang="en-US" dirty="0" smtClean="0"/>
+              <a:rPr lang="zh-CN" altLang="en-US" dirty="0"/>
               <a:t>单击此处编辑母版标题样式</a:t>
             </a:r>
             <a:endParaRPr lang="en-US" dirty="0"/>
@@ -4262,7 +4285,7 @@
           </a:lstStyle>
           <a:p>
             <a:r>
-              <a:rPr lang="zh-CN" altLang="en-US" dirty="0" smtClean="0"/>
+              <a:rPr lang="zh-CN" altLang="en-US" dirty="0"/>
               <a:t>单击此处编辑母版副标题样式</a:t>
             </a:r>
             <a:endParaRPr lang="en-US" dirty="0"/>
@@ -4286,6 +4309,7 @@
           <a:p>
             <a:fld id="{53BFFA02-C9A3-46F9-ABBC-4A2884EEE3A1}" type="datetimeFigureOut">
               <a:rPr lang="zh-CN" altLang="en-US" smtClean="0"/>
+              <a:t>2017/11/12</a:t>
             </a:fld>
             <a:endParaRPr lang="zh-CN" altLang="en-US"/>
           </a:p>
@@ -4327,6 +4351,7 @@
           <a:p>
             <a:fld id="{CC009086-2304-4505-9512-70D99C45DD5B}" type="slidenum">
               <a:rPr lang="zh-CN" altLang="en-US" smtClean="0"/>
+              <a:t>‹#›</a:t>
             </a:fld>
             <a:endParaRPr lang="zh-CN" altLang="en-US"/>
           </a:p>
@@ -4379,6 +4404,7 @@
           <a:p>
             <a:fld id="{13D0CE79-49FB-443D-BEF8-6B709DE8FD0C}" type="datetimeFigureOut">
               <a:rPr lang="zh-CN" altLang="en-US" smtClean="0"/>
+              <a:t>2017/11/12</a:t>
             </a:fld>
             <a:endParaRPr lang="zh-CN" altLang="en-US"/>
           </a:p>
@@ -4430,6 +4456,7 @@
           <a:p>
             <a:fld id="{EF906490-237C-474C-BA2E-D98840BC1F8F}" type="slidenum">
               <a:rPr lang="zh-CN" altLang="en-US" smtClean="0"/>
+              <a:t>‹#›</a:t>
             </a:fld>
             <a:endParaRPr lang="zh-CN" altLang="en-US"/>
           </a:p>
@@ -4473,42 +4500,37 @@
           <a:p>
             <a:pPr lvl="0"/>
             <a:r>
-              <a:rPr lang="zh-CN" altLang="en-US" dirty="0" smtClean="0"/>
+              <a:rPr lang="zh-CN" altLang="en-US" dirty="0"/>
               <a:t>单击此处编辑母版文本样式</a:t>
             </a:r>
-            <a:endParaRPr lang="zh-CN" altLang="en-US" dirty="0" smtClean="0"/>
           </a:p>
           <a:p>
             <a:pPr lvl="1"/>
             <a:r>
-              <a:rPr lang="zh-CN" altLang="en-US" dirty="0" smtClean="0"/>
+              <a:rPr lang="zh-CN" altLang="en-US" dirty="0"/>
               <a:t>第二级</a:t>
             </a:r>
-            <a:endParaRPr lang="zh-CN" altLang="en-US" dirty="0" smtClean="0"/>
           </a:p>
           <a:p>
             <a:pPr lvl="2"/>
             <a:r>
-              <a:rPr lang="zh-CN" altLang="en-US" dirty="0" smtClean="0"/>
+              <a:rPr lang="zh-CN" altLang="en-US" dirty="0"/>
               <a:t>第三级</a:t>
             </a:r>
-            <a:endParaRPr lang="zh-CN" altLang="en-US" dirty="0" smtClean="0"/>
           </a:p>
           <a:p>
             <a:pPr lvl="3"/>
             <a:r>
-              <a:rPr lang="zh-CN" altLang="en-US" dirty="0" smtClean="0"/>
+              <a:rPr lang="zh-CN" altLang="en-US" dirty="0"/>
               <a:t>第四级</a:t>
             </a:r>
-            <a:endParaRPr lang="zh-CN" altLang="en-US" dirty="0" smtClean="0"/>
           </a:p>
           <a:p>
             <a:pPr lvl="4"/>
             <a:r>
-              <a:rPr lang="zh-CN" altLang="en-US" dirty="0" smtClean="0"/>
+              <a:rPr lang="zh-CN" altLang="en-US" dirty="0"/>
               <a:t>第五级</a:t>
             </a:r>
-            <a:endParaRPr lang="zh-CN" altLang="en-US" dirty="0"/>
           </a:p>
         </p:txBody>
       </p:sp>
@@ -4553,7 +4575,7 @@
           <a:lstStyle/>
           <a:p>
             <a:r>
-              <a:rPr lang="zh-CN" altLang="en-US" smtClean="0"/>
+              <a:rPr lang="zh-CN" altLang="en-US"/>
               <a:t>单击此处编辑母版标题样式</a:t>
             </a:r>
             <a:endParaRPr lang="en-US" dirty="0"/>
@@ -4623,39 +4645,35 @@
           <a:p>
             <a:pPr lvl="0"/>
             <a:r>
-              <a:rPr lang="zh-CN" altLang="en-US" dirty="0" smtClean="0"/>
+              <a:rPr lang="zh-CN" altLang="en-US" dirty="0"/>
               <a:t>单击此处编辑母版文本样式</a:t>
             </a:r>
-            <a:endParaRPr lang="zh-CN" altLang="en-US" dirty="0" smtClean="0"/>
           </a:p>
           <a:p>
             <a:pPr lvl="1"/>
             <a:r>
-              <a:rPr lang="zh-CN" altLang="en-US" dirty="0" smtClean="0"/>
+              <a:rPr lang="zh-CN" altLang="en-US" dirty="0"/>
               <a:t>第二级</a:t>
             </a:r>
-            <a:endParaRPr lang="zh-CN" altLang="en-US" dirty="0" smtClean="0"/>
           </a:p>
           <a:p>
             <a:pPr lvl="2"/>
             <a:r>
-              <a:rPr lang="zh-CN" altLang="en-US" dirty="0" smtClean="0"/>
+              <a:rPr lang="zh-CN" altLang="en-US" dirty="0"/>
               <a:t>第三级</a:t>
             </a:r>
-            <a:endParaRPr lang="zh-CN" altLang="en-US" dirty="0" smtClean="0"/>
           </a:p>
           <a:p>
             <a:pPr lvl="3"/>
             <a:r>
-              <a:rPr lang="zh-CN" altLang="en-US" dirty="0" smtClean="0"/>
+              <a:rPr lang="zh-CN" altLang="en-US" dirty="0"/>
               <a:t>第四级</a:t>
             </a:r>
-            <a:endParaRPr lang="zh-CN" altLang="en-US" dirty="0" smtClean="0"/>
           </a:p>
           <a:p>
             <a:pPr lvl="4"/>
             <a:r>
-              <a:rPr lang="zh-CN" altLang="en-US" dirty="0" smtClean="0"/>
+              <a:rPr lang="zh-CN" altLang="en-US" dirty="0"/>
               <a:t>第五级</a:t>
             </a:r>
             <a:endParaRPr lang="en-US" dirty="0"/>
@@ -4679,6 +4697,7 @@
           <a:p>
             <a:fld id="{53BFFA02-C9A3-46F9-ABBC-4A2884EEE3A1}" type="datetimeFigureOut">
               <a:rPr lang="zh-CN" altLang="en-US" smtClean="0"/>
+              <a:t>2017/11/12</a:t>
             </a:fld>
             <a:endParaRPr lang="zh-CN" altLang="en-US"/>
           </a:p>
@@ -4720,6 +4739,7 @@
           <a:p>
             <a:fld id="{CC009086-2304-4505-9512-70D99C45DD5B}" type="slidenum">
               <a:rPr lang="zh-CN" altLang="en-US" smtClean="0"/>
+              <a:t>‹#›</a:t>
             </a:fld>
             <a:endParaRPr lang="zh-CN" altLang="en-US"/>
           </a:p>
@@ -5047,7 +5067,7 @@
           </a:lstStyle>
           <a:p>
             <a:r>
-              <a:rPr lang="zh-CN" altLang="en-US" dirty="0" smtClean="0"/>
+              <a:rPr lang="zh-CN" altLang="en-US" dirty="0"/>
               <a:t>单击此处编辑母版标题样式</a:t>
             </a:r>
             <a:endParaRPr lang="en-US" dirty="0"/>
@@ -5165,10 +5185,9 @@
           <a:p>
             <a:pPr lvl="0"/>
             <a:r>
-              <a:rPr lang="zh-CN" altLang="en-US" dirty="0" smtClean="0"/>
+              <a:rPr lang="zh-CN" altLang="en-US" dirty="0"/>
               <a:t>单击此处编辑母版文本样式</a:t>
             </a:r>
-            <a:endParaRPr lang="zh-CN" altLang="en-US" dirty="0" smtClean="0"/>
           </a:p>
         </p:txBody>
       </p:sp>
@@ -5189,6 +5208,7 @@
           <a:p>
             <a:fld id="{53BFFA02-C9A3-46F9-ABBC-4A2884EEE3A1}" type="datetimeFigureOut">
               <a:rPr lang="zh-CN" altLang="en-US" smtClean="0"/>
+              <a:t>2017/11/12</a:t>
             </a:fld>
             <a:endParaRPr lang="zh-CN" altLang="en-US"/>
           </a:p>
@@ -5230,6 +5250,7 @@
           <a:p>
             <a:fld id="{CC009086-2304-4505-9512-70D99C45DD5B}" type="slidenum">
               <a:rPr lang="zh-CN" altLang="en-US" smtClean="0"/>
+              <a:t>‹#›</a:t>
             </a:fld>
             <a:endParaRPr lang="zh-CN" altLang="en-US"/>
           </a:p>
@@ -5278,7 +5299,7 @@
           <a:lstStyle/>
           <a:p>
             <a:r>
-              <a:rPr lang="zh-CN" altLang="en-US" smtClean="0"/>
+              <a:rPr lang="zh-CN" altLang="en-US"/>
               <a:t>单击此处编辑母版标题样式</a:t>
             </a:r>
             <a:endParaRPr lang="en-US" dirty="0"/>
@@ -5350,39 +5371,35 @@
           <a:p>
             <a:pPr lvl="0"/>
             <a:r>
-              <a:rPr lang="zh-CN" altLang="en-US" smtClean="0"/>
+              <a:rPr lang="zh-CN" altLang="en-US"/>
               <a:t>单击此处编辑母版文本样式</a:t>
             </a:r>
-            <a:endParaRPr lang="zh-CN" altLang="en-US" smtClean="0"/>
           </a:p>
           <a:p>
             <a:pPr lvl="1"/>
             <a:r>
-              <a:rPr lang="zh-CN" altLang="en-US" smtClean="0"/>
+              <a:rPr lang="zh-CN" altLang="en-US"/>
               <a:t>第二级</a:t>
             </a:r>
-            <a:endParaRPr lang="zh-CN" altLang="en-US" smtClean="0"/>
           </a:p>
           <a:p>
             <a:pPr lvl="2"/>
             <a:r>
-              <a:rPr lang="zh-CN" altLang="en-US" smtClean="0"/>
+              <a:rPr lang="zh-CN" altLang="en-US"/>
               <a:t>第三级</a:t>
             </a:r>
-            <a:endParaRPr lang="zh-CN" altLang="en-US" smtClean="0"/>
           </a:p>
           <a:p>
             <a:pPr lvl="3"/>
             <a:r>
-              <a:rPr lang="zh-CN" altLang="en-US" smtClean="0"/>
+              <a:rPr lang="zh-CN" altLang="en-US"/>
               <a:t>第四级</a:t>
             </a:r>
-            <a:endParaRPr lang="zh-CN" altLang="en-US" smtClean="0"/>
           </a:p>
           <a:p>
             <a:pPr lvl="4"/>
             <a:r>
-              <a:rPr lang="zh-CN" altLang="en-US" smtClean="0"/>
+              <a:rPr lang="zh-CN" altLang="en-US"/>
               <a:t>第五级</a:t>
             </a:r>
             <a:endParaRPr lang="en-US" dirty="0"/>
@@ -5454,39 +5471,35 @@
           <a:p>
             <a:pPr lvl="0"/>
             <a:r>
-              <a:rPr lang="zh-CN" altLang="en-US" smtClean="0"/>
+              <a:rPr lang="zh-CN" altLang="en-US"/>
               <a:t>单击此处编辑母版文本样式</a:t>
             </a:r>
-            <a:endParaRPr lang="zh-CN" altLang="en-US" smtClean="0"/>
           </a:p>
           <a:p>
             <a:pPr lvl="1"/>
             <a:r>
-              <a:rPr lang="zh-CN" altLang="en-US" smtClean="0"/>
+              <a:rPr lang="zh-CN" altLang="en-US"/>
               <a:t>第二级</a:t>
             </a:r>
-            <a:endParaRPr lang="zh-CN" altLang="en-US" smtClean="0"/>
           </a:p>
           <a:p>
             <a:pPr lvl="2"/>
             <a:r>
-              <a:rPr lang="zh-CN" altLang="en-US" smtClean="0"/>
+              <a:rPr lang="zh-CN" altLang="en-US"/>
               <a:t>第三级</a:t>
             </a:r>
-            <a:endParaRPr lang="zh-CN" altLang="en-US" smtClean="0"/>
           </a:p>
           <a:p>
             <a:pPr lvl="3"/>
             <a:r>
-              <a:rPr lang="zh-CN" altLang="en-US" smtClean="0"/>
+              <a:rPr lang="zh-CN" altLang="en-US"/>
               <a:t>第四级</a:t>
             </a:r>
-            <a:endParaRPr lang="zh-CN" altLang="en-US" smtClean="0"/>
           </a:p>
           <a:p>
             <a:pPr lvl="4"/>
             <a:r>
-              <a:rPr lang="zh-CN" altLang="en-US" smtClean="0"/>
+              <a:rPr lang="zh-CN" altLang="en-US"/>
               <a:t>第五级</a:t>
             </a:r>
             <a:endParaRPr lang="en-US" dirty="0"/>
@@ -5512,6 +5525,7 @@
           <a:p>
             <a:fld id="{53BFFA02-C9A3-46F9-ABBC-4A2884EEE3A1}" type="datetimeFigureOut">
               <a:rPr lang="zh-CN" altLang="en-US" smtClean="0"/>
+              <a:t>2017/11/12</a:t>
             </a:fld>
             <a:endParaRPr lang="zh-CN" altLang="en-US"/>
           </a:p>
@@ -5557,6 +5571,7 @@
           <a:p>
             <a:fld id="{CC009086-2304-4505-9512-70D99C45DD5B}" type="slidenum">
               <a:rPr lang="zh-CN" altLang="en-US" smtClean="0"/>
+              <a:t>‹#›</a:t>
             </a:fld>
             <a:endParaRPr lang="zh-CN" altLang="en-US"/>
           </a:p>
@@ -5608,7 +5623,7 @@
           <a:lstStyle/>
           <a:p>
             <a:r>
-              <a:rPr lang="zh-CN" altLang="en-US" smtClean="0"/>
+              <a:rPr lang="zh-CN" altLang="en-US"/>
               <a:t>单击此处编辑母版标题样式</a:t>
             </a:r>
             <a:endParaRPr lang="en-US" dirty="0"/>
@@ -5674,10 +5689,9 @@
           <a:p>
             <a:pPr lvl="0"/>
             <a:r>
-              <a:rPr lang="zh-CN" altLang="en-US" smtClean="0"/>
+              <a:rPr lang="zh-CN" altLang="en-US"/>
               <a:t>单击此处编辑母版文本样式</a:t>
             </a:r>
-            <a:endParaRPr lang="zh-CN" altLang="en-US" smtClean="0"/>
           </a:p>
         </p:txBody>
       </p:sp>
@@ -5703,39 +5717,35 @@
           <a:p>
             <a:pPr lvl="0"/>
             <a:r>
-              <a:rPr lang="zh-CN" altLang="en-US" smtClean="0"/>
+              <a:rPr lang="zh-CN" altLang="en-US"/>
               <a:t>单击此处编辑母版文本样式</a:t>
             </a:r>
-            <a:endParaRPr lang="zh-CN" altLang="en-US" smtClean="0"/>
           </a:p>
           <a:p>
             <a:pPr lvl="1"/>
             <a:r>
-              <a:rPr lang="zh-CN" altLang="en-US" smtClean="0"/>
+              <a:rPr lang="zh-CN" altLang="en-US"/>
               <a:t>第二级</a:t>
             </a:r>
-            <a:endParaRPr lang="zh-CN" altLang="en-US" smtClean="0"/>
           </a:p>
           <a:p>
             <a:pPr lvl="2"/>
             <a:r>
-              <a:rPr lang="zh-CN" altLang="en-US" smtClean="0"/>
+              <a:rPr lang="zh-CN" altLang="en-US"/>
               <a:t>第三级</a:t>
             </a:r>
-            <a:endParaRPr lang="zh-CN" altLang="en-US" smtClean="0"/>
           </a:p>
           <a:p>
             <a:pPr lvl="3"/>
             <a:r>
-              <a:rPr lang="zh-CN" altLang="en-US" smtClean="0"/>
+              <a:rPr lang="zh-CN" altLang="en-US"/>
               <a:t>第四级</a:t>
             </a:r>
-            <a:endParaRPr lang="zh-CN" altLang="en-US" smtClean="0"/>
           </a:p>
           <a:p>
             <a:pPr lvl="4"/>
             <a:r>
-              <a:rPr lang="zh-CN" altLang="en-US" smtClean="0"/>
+              <a:rPr lang="zh-CN" altLang="en-US"/>
               <a:t>第五级</a:t>
             </a:r>
             <a:endParaRPr lang="en-US" dirty="0"/>
@@ -5801,10 +5811,9 @@
           <a:p>
             <a:pPr lvl="0"/>
             <a:r>
-              <a:rPr lang="zh-CN" altLang="en-US" smtClean="0"/>
+              <a:rPr lang="zh-CN" altLang="en-US"/>
               <a:t>单击此处编辑母版文本样式</a:t>
             </a:r>
-            <a:endParaRPr lang="zh-CN" altLang="en-US" smtClean="0"/>
           </a:p>
         </p:txBody>
       </p:sp>
@@ -5830,39 +5839,35 @@
           <a:p>
             <a:pPr lvl="0"/>
             <a:r>
-              <a:rPr lang="zh-CN" altLang="en-US" smtClean="0"/>
+              <a:rPr lang="zh-CN" altLang="en-US"/>
               <a:t>单击此处编辑母版文本样式</a:t>
             </a:r>
-            <a:endParaRPr lang="zh-CN" altLang="en-US" smtClean="0"/>
           </a:p>
           <a:p>
             <a:pPr lvl="1"/>
             <a:r>
-              <a:rPr lang="zh-CN" altLang="en-US" smtClean="0"/>
+              <a:rPr lang="zh-CN" altLang="en-US"/>
               <a:t>第二级</a:t>
             </a:r>
-            <a:endParaRPr lang="zh-CN" altLang="en-US" smtClean="0"/>
           </a:p>
           <a:p>
             <a:pPr lvl="2"/>
             <a:r>
-              <a:rPr lang="zh-CN" altLang="en-US" smtClean="0"/>
+              <a:rPr lang="zh-CN" altLang="en-US"/>
               <a:t>第三级</a:t>
             </a:r>
-            <a:endParaRPr lang="zh-CN" altLang="en-US" smtClean="0"/>
           </a:p>
           <a:p>
             <a:pPr lvl="3"/>
             <a:r>
-              <a:rPr lang="zh-CN" altLang="en-US" smtClean="0"/>
+              <a:rPr lang="zh-CN" altLang="en-US"/>
               <a:t>第四级</a:t>
             </a:r>
-            <a:endParaRPr lang="zh-CN" altLang="en-US" smtClean="0"/>
           </a:p>
           <a:p>
             <a:pPr lvl="4"/>
             <a:r>
-              <a:rPr lang="zh-CN" altLang="en-US" smtClean="0"/>
+              <a:rPr lang="zh-CN" altLang="en-US"/>
               <a:t>第五级</a:t>
             </a:r>
             <a:endParaRPr lang="en-US" dirty="0"/>
@@ -5886,6 +5891,7 @@
           <a:p>
             <a:fld id="{53BFFA02-C9A3-46F9-ABBC-4A2884EEE3A1}" type="datetimeFigureOut">
               <a:rPr lang="zh-CN" altLang="en-US" smtClean="0"/>
+              <a:t>2017/11/12</a:t>
             </a:fld>
             <a:endParaRPr lang="zh-CN" altLang="en-US"/>
           </a:p>
@@ -5927,6 +5933,7 @@
           <a:p>
             <a:fld id="{CC009086-2304-4505-9512-70D99C45DD5B}" type="slidenum">
               <a:rPr lang="zh-CN" altLang="en-US" smtClean="0"/>
+              <a:t>‹#›</a:t>
             </a:fld>
             <a:endParaRPr lang="zh-CN" altLang="en-US"/>
           </a:p>
@@ -5984,7 +5991,7 @@
           </a:lstStyle>
           <a:p>
             <a:r>
-              <a:rPr lang="zh-CN" altLang="en-US" dirty="0" smtClean="0"/>
+              <a:rPr lang="zh-CN" altLang="en-US" dirty="0"/>
               <a:t>编辑标题</a:t>
             </a:r>
             <a:endParaRPr lang="en-US" dirty="0"/>
@@ -6010,6 +6017,7 @@
           <a:p>
             <a:fld id="{53BFFA02-C9A3-46F9-ABBC-4A2884EEE3A1}" type="datetimeFigureOut">
               <a:rPr lang="zh-CN" altLang="en-US" smtClean="0"/>
+              <a:t>2017/11/12</a:t>
             </a:fld>
             <a:endParaRPr lang="zh-CN" altLang="en-US"/>
           </a:p>
@@ -6055,6 +6063,7 @@
           <a:p>
             <a:fld id="{CC009086-2304-4505-9512-70D99C45DD5B}" type="slidenum">
               <a:rPr lang="zh-CN" altLang="en-US" smtClean="0"/>
+              <a:t>‹#›</a:t>
             </a:fld>
             <a:endParaRPr lang="zh-CN" altLang="en-US"/>
           </a:p>
@@ -6160,6 +6169,7 @@
           <a:p>
             <a:fld id="{53BFFA02-C9A3-46F9-ABBC-4A2884EEE3A1}" type="datetimeFigureOut">
               <a:rPr lang="zh-CN" altLang="en-US" smtClean="0"/>
+              <a:t>2017/11/12</a:t>
             </a:fld>
             <a:endParaRPr lang="zh-CN" altLang="en-US"/>
           </a:p>
@@ -6201,6 +6211,7 @@
           <a:p>
             <a:fld id="{CC009086-2304-4505-9512-70D99C45DD5B}" type="slidenum">
               <a:rPr lang="zh-CN" altLang="en-US" smtClean="0"/>
+              <a:t>‹#›</a:t>
             </a:fld>
             <a:endParaRPr lang="zh-CN" altLang="en-US"/>
           </a:p>
@@ -6256,7 +6267,7 @@
           </a:lstStyle>
           <a:p>
             <a:r>
-              <a:rPr lang="zh-CN" altLang="en-US" smtClean="0"/>
+              <a:rPr lang="zh-CN" altLang="en-US"/>
               <a:t>单击此处编辑母版标题样式</a:t>
             </a:r>
             <a:endParaRPr lang="en-US" dirty="0"/>
@@ -6321,7 +6332,7 @@
           </a:lstStyle>
           <a:p>
             <a:r>
-              <a:rPr lang="zh-CN" altLang="en-US" smtClean="0"/>
+              <a:rPr lang="zh-CN" altLang="en-US"/>
               <a:t>单击图标添加图片</a:t>
             </a:r>
             <a:endParaRPr lang="en-US" dirty="0"/>
@@ -6393,10 +6404,9 @@
           <a:p>
             <a:pPr lvl="0"/>
             <a:r>
-              <a:rPr lang="zh-CN" altLang="en-US" smtClean="0"/>
+              <a:rPr lang="zh-CN" altLang="en-US"/>
               <a:t>单击此处编辑母版文本样式</a:t>
             </a:r>
-            <a:endParaRPr lang="zh-CN" altLang="en-US" smtClean="0"/>
           </a:p>
         </p:txBody>
       </p:sp>
@@ -6417,6 +6427,7 @@
           <a:p>
             <a:fld id="{53BFFA02-C9A3-46F9-ABBC-4A2884EEE3A1}" type="datetimeFigureOut">
               <a:rPr lang="zh-CN" altLang="en-US" smtClean="0"/>
+              <a:t>2017/11/12</a:t>
             </a:fld>
             <a:endParaRPr lang="zh-CN" altLang="en-US"/>
           </a:p>
@@ -6458,6 +6469,7 @@
           <a:p>
             <a:fld id="{CC009086-2304-4505-9512-70D99C45DD5B}" type="slidenum">
               <a:rPr lang="zh-CN" altLang="en-US" smtClean="0"/>
+              <a:t>‹#›</a:t>
             </a:fld>
             <a:endParaRPr lang="zh-CN" altLang="en-US"/>
           </a:p>
@@ -6509,7 +6521,7 @@
           <a:lstStyle/>
           <a:p>
             <a:r>
-              <a:rPr lang="zh-CN" altLang="en-US" smtClean="0"/>
+              <a:rPr lang="zh-CN" altLang="en-US"/>
               <a:t>单击此处编辑母版标题样式</a:t>
             </a:r>
             <a:endParaRPr lang="en-US" dirty="0"/>
@@ -6538,39 +6550,35 @@
           <a:p>
             <a:pPr lvl="0"/>
             <a:r>
-              <a:rPr lang="zh-CN" altLang="en-US" smtClean="0"/>
+              <a:rPr lang="zh-CN" altLang="en-US"/>
               <a:t>单击此处编辑母版文本样式</a:t>
             </a:r>
-            <a:endParaRPr lang="zh-CN" altLang="en-US" smtClean="0"/>
           </a:p>
           <a:p>
             <a:pPr lvl="1"/>
             <a:r>
-              <a:rPr lang="zh-CN" altLang="en-US" smtClean="0"/>
+              <a:rPr lang="zh-CN" altLang="en-US"/>
               <a:t>第二级</a:t>
             </a:r>
-            <a:endParaRPr lang="zh-CN" altLang="en-US" smtClean="0"/>
           </a:p>
           <a:p>
             <a:pPr lvl="2"/>
             <a:r>
-              <a:rPr lang="zh-CN" altLang="en-US" smtClean="0"/>
+              <a:rPr lang="zh-CN" altLang="en-US"/>
               <a:t>第三级</a:t>
             </a:r>
-            <a:endParaRPr lang="zh-CN" altLang="en-US" smtClean="0"/>
           </a:p>
           <a:p>
             <a:pPr lvl="3"/>
             <a:r>
-              <a:rPr lang="zh-CN" altLang="en-US" smtClean="0"/>
+              <a:rPr lang="zh-CN" altLang="en-US"/>
               <a:t>第四级</a:t>
             </a:r>
-            <a:endParaRPr lang="zh-CN" altLang="en-US" smtClean="0"/>
           </a:p>
           <a:p>
             <a:pPr lvl="4"/>
             <a:r>
-              <a:rPr lang="zh-CN" altLang="en-US" smtClean="0"/>
+              <a:rPr lang="zh-CN" altLang="en-US"/>
               <a:t>第五级</a:t>
             </a:r>
             <a:endParaRPr lang="en-US" dirty="0"/>
@@ -6594,6 +6602,7 @@
           <a:p>
             <a:fld id="{53BFFA02-C9A3-46F9-ABBC-4A2884EEE3A1}" type="datetimeFigureOut">
               <a:rPr lang="zh-CN" altLang="en-US" smtClean="0"/>
+              <a:t>2017/11/12</a:t>
             </a:fld>
             <a:endParaRPr lang="zh-CN" altLang="en-US"/>
           </a:p>
@@ -6635,6 +6644,7 @@
           <a:p>
             <a:fld id="{CC009086-2304-4505-9512-70D99C45DD5B}" type="slidenum">
               <a:rPr lang="zh-CN" altLang="en-US" smtClean="0"/>
+              <a:t>‹#›</a:t>
             </a:fld>
             <a:endParaRPr lang="zh-CN" altLang="en-US"/>
           </a:p>
@@ -6679,7 +6689,7 @@
           <p:nvPr/>
         </p:nvPicPr>
         <p:blipFill>
-          <a:blip r:embed="rId11"/>
+          <a:blip r:embed="rId14"/>
           <a:stretch>
             <a:fillRect/>
           </a:stretch>
@@ -6723,7 +6733,7 @@
           <a:lstStyle/>
           <a:p>
             <a:r>
-              <a:rPr lang="zh-CN" altLang="en-US" smtClean="0"/>
+              <a:rPr lang="zh-CN" altLang="en-US"/>
               <a:t>单击此处编辑母版标题样式</a:t>
             </a:r>
             <a:endParaRPr lang="en-US" dirty="0"/>
@@ -6760,39 +6770,35 @@
           <a:p>
             <a:pPr lvl="0"/>
             <a:r>
-              <a:rPr lang="zh-CN" altLang="en-US" dirty="0" smtClean="0"/>
+              <a:rPr lang="zh-CN" altLang="en-US" dirty="0"/>
               <a:t>单击此处编辑母版文本样式</a:t>
             </a:r>
-            <a:endParaRPr lang="zh-CN" altLang="en-US" dirty="0" smtClean="0"/>
           </a:p>
           <a:p>
             <a:pPr lvl="1"/>
             <a:r>
-              <a:rPr lang="zh-CN" altLang="en-US" dirty="0" smtClean="0"/>
+              <a:rPr lang="zh-CN" altLang="en-US" dirty="0"/>
               <a:t>第二级</a:t>
             </a:r>
-            <a:endParaRPr lang="zh-CN" altLang="en-US" dirty="0" smtClean="0"/>
           </a:p>
           <a:p>
             <a:pPr lvl="2"/>
             <a:r>
-              <a:rPr lang="zh-CN" altLang="en-US" dirty="0" smtClean="0"/>
+              <a:rPr lang="zh-CN" altLang="en-US" dirty="0"/>
               <a:t>第三级</a:t>
             </a:r>
-            <a:endParaRPr lang="zh-CN" altLang="en-US" dirty="0" smtClean="0"/>
           </a:p>
           <a:p>
             <a:pPr lvl="3"/>
             <a:r>
-              <a:rPr lang="zh-CN" altLang="en-US" dirty="0" smtClean="0"/>
+              <a:rPr lang="zh-CN" altLang="en-US" dirty="0"/>
               <a:t>第四级</a:t>
             </a:r>
-            <a:endParaRPr lang="zh-CN" altLang="en-US" dirty="0" smtClean="0"/>
           </a:p>
           <a:p>
             <a:pPr lvl="4"/>
             <a:r>
-              <a:rPr lang="zh-CN" altLang="en-US" dirty="0" smtClean="0"/>
+              <a:rPr lang="zh-CN" altLang="en-US" dirty="0"/>
               <a:t>第五级</a:t>
             </a:r>
             <a:endParaRPr lang="en-US" dirty="0"/>
@@ -6836,6 +6842,7 @@
           <a:p>
             <a:fld id="{53BFFA02-C9A3-46F9-ABBC-4A2884EEE3A1}" type="datetimeFigureOut">
               <a:rPr lang="zh-CN" altLang="en-US" smtClean="0"/>
+              <a:t>2017/11/12</a:t>
             </a:fld>
             <a:endParaRPr lang="zh-CN" altLang="en-US"/>
           </a:p>
@@ -6917,6 +6924,7 @@
           <a:p>
             <a:fld id="{CC009086-2304-4505-9512-70D99C45DD5B}" type="slidenum">
               <a:rPr lang="zh-CN" altLang="en-US" smtClean="0"/>
+              <a:t>‹#›</a:t>
             </a:fld>
             <a:endParaRPr lang="zh-CN" altLang="en-US"/>
           </a:p>
@@ -7249,7 +7257,7 @@
           <p:nvPr>
             <p:ph type="ctrTitle"/>
             <p:custDataLst>
-              <p:tags r:id="rId1"/>
+              <p:tags r:id="rId2"/>
             </p:custDataLst>
           </p:nvPr>
         </p:nvSpPr>
@@ -7275,7 +7283,6 @@
               <a:rPr lang="en-US" altLang="zh-CN" dirty="0"/>
               <a:t>Ⅰ</a:t>
             </a:r>
-            <a:endParaRPr lang="en-US" altLang="zh-CN" dirty="0"/>
           </a:p>
         </p:txBody>
       </p:sp>
@@ -7299,6 +7306,7 @@
           <a:bodyPr wrap="square" rtlCol="0">
             <a:spAutoFit/>
           </a:bodyPr>
+          <a:lstStyle/>
           <a:p>
             <a:r>
               <a:rPr lang="zh-CN" altLang="en-US" sz="2000"/>
@@ -7308,21 +7316,18 @@
               <a:rPr lang="en-US" altLang="zh-CN" sz="2000"/>
               <a:t>G21</a:t>
             </a:r>
-            <a:endParaRPr lang="en-US" altLang="zh-CN" sz="2000"/>
           </a:p>
           <a:p>
             <a:r>
               <a:rPr lang="zh-CN" altLang="en-US" sz="2000"/>
               <a:t>组长：吴桐</a:t>
             </a:r>
-            <a:endParaRPr lang="zh-CN" altLang="en-US" sz="2000"/>
           </a:p>
           <a:p>
             <a:r>
               <a:rPr lang="zh-CN" altLang="en-US" sz="2000"/>
               <a:t>组员：赵高生、尹健瑾、袁泽成、邬立冬</a:t>
             </a:r>
-            <a:endParaRPr lang="zh-CN" altLang="en-US" sz="2000"/>
           </a:p>
         </p:txBody>
       </p:sp>
@@ -7335,7 +7340,7 @@
           <p:nvPr/>
         </p:nvPicPr>
         <p:blipFill>
-          <a:blip r:embed="rId2" cstate="print"/>
+          <a:blip r:embed="rId5" cstate="print"/>
           <a:stretch>
             <a:fillRect/>
           </a:stretch>
@@ -7352,19 +7357,12 @@
       </p:pic>
     </p:spTree>
     <p:custDataLst>
-      <p:tags r:id="rId3"/>
+      <p:tags r:id="rId1"/>
     </p:custDataLst>
   </p:cSld>
   <p:clrMapOvr>
     <a:masterClrMapping/>
   </p:clrMapOvr>
-  <p:timing>
-    <p:tnLst>
-      <p:par>
-        <p:cTn id="1" dur="indefinite" restart="never" nodeType="tmRoot"/>
-      </p:par>
-    </p:tnLst>
-  </p:timing>
 </p:sld>
 </file>
 
@@ -7394,7 +7392,7 @@
           <p:nvPr/>
         </p:nvPicPr>
         <p:blipFill>
-          <a:blip r:embed="rId1"/>
+          <a:blip r:embed="rId4"/>
           <a:stretch>
             <a:fillRect/>
           </a:stretch>
@@ -7415,19 +7413,12 @@
       </p:pic>
     </p:spTree>
     <p:custDataLst>
-      <p:tags r:id="rId2"/>
+      <p:tags r:id="rId1"/>
     </p:custDataLst>
   </p:cSld>
   <p:clrMapOvr>
     <a:masterClrMapping/>
   </p:clrMapOvr>
-  <p:timing>
-    <p:tnLst>
-      <p:par>
-        <p:cTn id="1" dur="indefinite" restart="never" nodeType="tmRoot"/>
-      </p:par>
-    </p:tnLst>
-  </p:timing>
 </p:sld>
 </file>
 
@@ -7440,7 +7431,14 @@
         <p:cNvGrpSpPr/>
         <p:nvPr/>
       </p:nvGrpSpPr>
-      <p:grpSpPr/>
+      <p:grpSpPr>
+        <a:xfrm>
+          <a:off x="0" y="0"/>
+          <a:ext cx="0" cy="0"/>
+          <a:chOff x="0" y="0"/>
+          <a:chExt cx="0" cy="0"/>
+        </a:xfrm>
+      </p:grpSpPr>
       <p:pic>
         <p:nvPicPr>
           <p:cNvPr id="15" name="图片 15"/>
@@ -7450,7 +7448,7 @@
           <p:nvPr/>
         </p:nvPicPr>
         <p:blipFill>
-          <a:blip r:embed="rId1"/>
+          <a:blip r:embed="rId3"/>
           <a:srcRect l="11627" t="14967" r="24024" b="7270"/>
           <a:stretch>
             <a:fillRect/>
@@ -7472,7 +7470,7 @@
       </p:pic>
     </p:spTree>
     <p:custDataLst>
-      <p:tags r:id="rId2"/>
+      <p:tags r:id="rId1"/>
     </p:custDataLst>
   </p:cSld>
   <p:clrMapOvr>
@@ -7506,7 +7504,7 @@
           </p:cNvSpPr>
           <p:nvPr>
             <p:custDataLst>
-              <p:tags r:id="rId1"/>
+              <p:tags r:id="rId2"/>
             </p:custDataLst>
           </p:nvPr>
         </p:nvSpPr>
@@ -7551,7 +7549,6 @@
               <a:rPr lang="zh-CN" altLang="en-US" dirty="0"/>
               <a:t>顺序图</a:t>
             </a:r>
-            <a:endParaRPr lang="zh-CN" altLang="en-US" dirty="0"/>
           </a:p>
         </p:txBody>
       </p:sp>
@@ -7563,7 +7560,7 @@
           </p:cNvSpPr>
           <p:nvPr>
             <p:custDataLst>
-              <p:tags r:id="rId2"/>
+              <p:tags r:id="rId3"/>
             </p:custDataLst>
           </p:nvPr>
         </p:nvSpPr>
@@ -7777,19 +7774,12 @@
       </p:sp>
     </p:spTree>
     <p:custDataLst>
-      <p:tags r:id="rId3"/>
+      <p:tags r:id="rId1"/>
     </p:custDataLst>
   </p:cSld>
   <p:clrMapOvr>
     <a:masterClrMapping/>
   </p:clrMapOvr>
-  <p:timing>
-    <p:tnLst>
-      <p:par>
-        <p:cTn id="1" dur="indefinite" restart="never" nodeType="tmRoot"/>
-      </p:par>
-    </p:tnLst>
-  </p:timing>
 </p:sld>
 </file>
 
@@ -7819,7 +7809,7 @@
           <p:nvPr/>
         </p:nvPicPr>
         <p:blipFill>
-          <a:blip r:embed="rId1"/>
+          <a:blip r:embed="rId4"/>
           <a:stretch>
             <a:fillRect/>
           </a:stretch>
@@ -7840,19 +7830,12 @@
       </p:pic>
     </p:spTree>
     <p:custDataLst>
-      <p:tags r:id="rId2"/>
+      <p:tags r:id="rId1"/>
     </p:custDataLst>
   </p:cSld>
   <p:clrMapOvr>
     <a:masterClrMapping/>
   </p:clrMapOvr>
-  <p:timing>
-    <p:tnLst>
-      <p:par>
-        <p:cTn id="1" dur="indefinite" restart="never" nodeType="tmRoot"/>
-      </p:par>
-    </p:tnLst>
-  </p:timing>
 </p:sld>
 </file>
 
@@ -7881,7 +7864,7 @@
           </p:cNvSpPr>
           <p:nvPr>
             <p:custDataLst>
-              <p:tags r:id="rId1"/>
+              <p:tags r:id="rId2"/>
             </p:custDataLst>
           </p:nvPr>
         </p:nvSpPr>
@@ -8109,7 +8092,7 @@
           </p:cNvSpPr>
           <p:nvPr>
             <p:custDataLst>
-              <p:tags r:id="rId2"/>
+              <p:tags r:id="rId3"/>
             </p:custDataLst>
           </p:nvPr>
         </p:nvSpPr>
@@ -8154,25 +8137,17 @@
               <a:rPr lang="zh-CN" altLang="en-US" dirty="0"/>
               <a:t>协作图</a:t>
             </a:r>
-            <a:endParaRPr lang="zh-CN" altLang="en-US" dirty="0"/>
           </a:p>
         </p:txBody>
       </p:sp>
     </p:spTree>
     <p:custDataLst>
-      <p:tags r:id="rId3"/>
+      <p:tags r:id="rId1"/>
     </p:custDataLst>
   </p:cSld>
   <p:clrMapOvr>
     <a:masterClrMapping/>
   </p:clrMapOvr>
-  <p:timing>
-    <p:tnLst>
-      <p:par>
-        <p:cTn id="1" dur="indefinite" restart="never" nodeType="tmRoot"/>
-      </p:par>
-    </p:tnLst>
-  </p:timing>
 </p:sld>
 </file>
 
@@ -8202,7 +8177,7 @@
           <p:nvPr/>
         </p:nvPicPr>
         <p:blipFill>
-          <a:blip r:embed="rId1"/>
+          <a:blip r:embed="rId4"/>
           <a:stretch>
             <a:fillRect/>
           </a:stretch>
@@ -8223,19 +8198,12 @@
       </p:pic>
     </p:spTree>
     <p:custDataLst>
-      <p:tags r:id="rId2"/>
+      <p:tags r:id="rId1"/>
     </p:custDataLst>
   </p:cSld>
   <p:clrMapOvr>
     <a:masterClrMapping/>
   </p:clrMapOvr>
-  <p:timing>
-    <p:tnLst>
-      <p:par>
-        <p:cTn id="1" dur="indefinite" restart="never" nodeType="tmRoot"/>
-      </p:par>
-    </p:tnLst>
-  </p:timing>
 </p:sld>
 </file>
 
@@ -8264,7 +8232,7 @@
           </p:cNvSpPr>
           <p:nvPr>
             <p:custDataLst>
-              <p:tags r:id="rId1"/>
+              <p:tags r:id="rId2"/>
             </p:custDataLst>
           </p:nvPr>
         </p:nvSpPr>
@@ -8309,7 +8277,6 @@
               <a:rPr lang="zh-CN" altLang="en-US" dirty="0"/>
               <a:t>部署图</a:t>
             </a:r>
-            <a:endParaRPr lang="zh-CN" altLang="en-US" dirty="0"/>
           </a:p>
         </p:txBody>
       </p:sp>
@@ -8321,7 +8288,7 @@
           </p:cNvSpPr>
           <p:nvPr>
             <p:custDataLst>
-              <p:tags r:id="rId2"/>
+              <p:tags r:id="rId3"/>
             </p:custDataLst>
           </p:nvPr>
         </p:nvSpPr>
@@ -8551,19 +8518,12 @@
       </p:sp>
     </p:spTree>
     <p:custDataLst>
-      <p:tags r:id="rId3"/>
+      <p:tags r:id="rId1"/>
     </p:custDataLst>
   </p:cSld>
   <p:clrMapOvr>
     <a:masterClrMapping/>
   </p:clrMapOvr>
-  <p:timing>
-    <p:tnLst>
-      <p:par>
-        <p:cTn id="1" dur="indefinite" restart="never" nodeType="tmRoot"/>
-      </p:par>
-    </p:tnLst>
-  </p:timing>
 </p:sld>
 </file>
 
@@ -8593,7 +8553,7 @@
           <p:nvPr/>
         </p:nvPicPr>
         <p:blipFill>
-          <a:blip r:embed="rId1"/>
+          <a:blip r:embed="rId4"/>
           <a:stretch>
             <a:fillRect/>
           </a:stretch>
@@ -8614,19 +8574,12 @@
       </p:pic>
     </p:spTree>
     <p:custDataLst>
-      <p:tags r:id="rId2"/>
+      <p:tags r:id="rId1"/>
     </p:custDataLst>
   </p:cSld>
   <p:clrMapOvr>
     <a:masterClrMapping/>
   </p:clrMapOvr>
-  <p:timing>
-    <p:tnLst>
-      <p:par>
-        <p:cTn id="1" dur="indefinite" restart="never" nodeType="tmRoot"/>
-      </p:par>
-    </p:tnLst>
-  </p:timing>
 </p:sld>
 </file>
 
@@ -8639,7 +8592,14 @@
         <p:cNvGrpSpPr/>
         <p:nvPr/>
       </p:nvGrpSpPr>
-      <p:grpSpPr/>
+      <p:grpSpPr>
+        <a:xfrm>
+          <a:off x="0" y="0"/>
+          <a:ext cx="0" cy="0"/>
+          <a:chOff x="0" y="0"/>
+          <a:chExt cx="0" cy="0"/>
+        </a:xfrm>
+      </p:grpSpPr>
       <p:pic>
         <p:nvPicPr>
           <p:cNvPr id="10" name="图片 20"/>
@@ -8649,7 +8609,7 @@
           <p:nvPr/>
         </p:nvPicPr>
         <p:blipFill>
-          <a:blip r:embed="rId1"/>
+          <a:blip r:embed="rId3"/>
           <a:srcRect l="1941" t="8614" r="28885" b="18838"/>
           <a:stretch>
             <a:fillRect/>
@@ -8671,7 +8631,7 @@
       </p:pic>
     </p:spTree>
     <p:custDataLst>
-      <p:tags r:id="rId2"/>
+      <p:tags r:id="rId1"/>
     </p:custDataLst>
   </p:cSld>
   <p:clrMapOvr>
@@ -8689,7 +8649,14 @@
         <p:cNvGrpSpPr/>
         <p:nvPr/>
       </p:nvGrpSpPr>
-      <p:grpSpPr/>
+      <p:grpSpPr>
+        <a:xfrm>
+          <a:off x="0" y="0"/>
+          <a:ext cx="0" cy="0"/>
+          <a:chOff x="0" y="0"/>
+          <a:chExt cx="0" cy="0"/>
+        </a:xfrm>
+      </p:grpSpPr>
       <p:sp>
         <p:nvSpPr>
           <p:cNvPr id="2" name="标题 1"/>
@@ -8708,6 +8675,7 @@
         </p:spPr>
         <p:txBody>
           <a:bodyPr/>
+          <a:lstStyle/>
           <a:p>
             <a:r>
               <a:rPr lang="en-US" altLang="zh-CN"/>
@@ -8717,7 +8685,6 @@
               <a:rPr lang="zh-CN" altLang="en-US"/>
               <a:t>参考资料</a:t>
             </a:r>
-            <a:endParaRPr lang="zh-CN" altLang="en-US"/>
           </a:p>
         </p:txBody>
       </p:sp>
@@ -8739,33 +8706,30 @@
         </p:spPr>
         <p:txBody>
           <a:bodyPr/>
+          <a:lstStyle/>
           <a:p>
             <a:r>
               <a:rPr lang="zh-CN" altLang="en-US"/>
               <a:t>百度百科</a:t>
             </a:r>
-            <a:endParaRPr lang="zh-CN" altLang="en-US"/>
           </a:p>
           <a:p>
             <a:r>
               <a:rPr lang="zh-CN" altLang="en-US"/>
               <a:t>Uml用户指南（第二版-修订版）</a:t>
             </a:r>
-            <a:endParaRPr lang="zh-CN" altLang="en-US"/>
           </a:p>
           <a:p>
             <a:r>
               <a:rPr lang="zh-CN" altLang="en-US"/>
               <a:t>Uml2基础建模与设计教程</a:t>
             </a:r>
-            <a:endParaRPr lang="zh-CN" altLang="en-US"/>
           </a:p>
           <a:p>
             <a:r>
               <a:rPr lang="zh-CN" altLang="en-US"/>
               <a:t>Csdn博客网站上UML的9种图例解析 </a:t>
             </a:r>
-            <a:endParaRPr lang="zh-CN" altLang="en-US"/>
           </a:p>
         </p:txBody>
       </p:sp>
@@ -8818,7 +8782,6 @@
               <a:rPr lang="zh-CN" altLang="en-US"/>
               <a:t>画图工具</a:t>
             </a:r>
-            <a:endParaRPr lang="zh-CN" altLang="en-US"/>
           </a:p>
         </p:txBody>
       </p:sp>
@@ -9019,7 +8982,6 @@
               <a:rPr lang="zh-CN" altLang="en-US"/>
               <a:t> </a:t>
             </a:r>
-            <a:endParaRPr lang="zh-CN" altLang="en-US"/>
           </a:p>
         </p:txBody>
       </p:sp>
@@ -9060,7 +9022,7 @@
           <p:nvPr>
             <p:ph idx="1"/>
             <p:custDataLst>
-              <p:tags r:id="rId1"/>
+              <p:tags r:id="rId2"/>
             </p:custDataLst>
           </p:nvPr>
         </p:nvSpPr>
@@ -9089,7 +9051,6 @@
               <a:rPr lang="zh-CN" altLang="en-US" dirty="0"/>
               <a:t>用例图                                        </a:t>
             </a:r>
-            <a:endParaRPr lang="zh-CN" altLang="en-US" dirty="0"/>
           </a:p>
           <a:p>
             <a:pPr fontAlgn="auto">
@@ -9105,7 +9066,6 @@
               <a:rPr lang="zh-CN" altLang="en-US" dirty="0"/>
               <a:t>类图                                            </a:t>
             </a:r>
-            <a:endParaRPr lang="zh-CN" altLang="en-US" dirty="0"/>
           </a:p>
           <a:p>
             <a:pPr fontAlgn="auto">
@@ -9137,7 +9097,6 @@
               <a:rPr lang="zh-CN" altLang="en-US" dirty="0"/>
               <a:t>顺序图</a:t>
             </a:r>
-            <a:endParaRPr lang="zh-CN" altLang="en-US" dirty="0"/>
           </a:p>
           <a:p>
             <a:pPr fontAlgn="auto">
@@ -9153,7 +9112,6 @@
               <a:rPr lang="zh-CN" altLang="en-US" dirty="0"/>
               <a:t>协作图</a:t>
             </a:r>
-            <a:endParaRPr lang="zh-CN" altLang="en-US" dirty="0"/>
           </a:p>
           <a:p>
             <a:pPr fontAlgn="auto">
@@ -9169,7 +9127,6 @@
               <a:rPr lang="zh-CN" altLang="en-US" dirty="0"/>
               <a:t>部署图</a:t>
             </a:r>
-            <a:endParaRPr lang="zh-CN" altLang="en-US" dirty="0"/>
           </a:p>
           <a:p>
             <a:pPr fontAlgn="auto">
@@ -9189,9 +9146,6 @@
               </a:rPr>
               <a:t>参考资料</a:t>
             </a:r>
-            <a:endParaRPr lang="zh-CN" altLang="en-US" dirty="0">
-              <a:sym typeface="+mn-ea"/>
-            </a:endParaRPr>
           </a:p>
           <a:p>
             <a:pPr fontAlgn="auto">
@@ -9211,7 +9165,6 @@
               <a:rPr lang="zh-CN" altLang="en-US" dirty="0"/>
               <a:t>画图工具</a:t>
             </a:r>
-            <a:endParaRPr lang="zh-CN" altLang="en-US" dirty="0"/>
           </a:p>
           <a:p>
             <a:pPr fontAlgn="auto">
@@ -9227,7 +9180,6 @@
               <a:rPr lang="zh-CN" altLang="en-US" dirty="0"/>
               <a:t>提问</a:t>
             </a:r>
-            <a:endParaRPr lang="zh-CN" altLang="en-US" dirty="0"/>
           </a:p>
           <a:p>
             <a:pPr fontAlgn="auto">
@@ -9243,14 +9195,15 @@
               <a:rPr lang="zh-CN" altLang="en-US" dirty="0"/>
               <a:t>小组成员分工及打分</a:t>
             </a:r>
-            <a:endParaRPr lang="zh-CN" altLang="en-US" dirty="0"/>
           </a:p>
         </p:txBody>
       </p:sp>
       <p:sp>
         <p:nvSpPr>
           <p:cNvPr id="3" name="标题 2"/>
-          <p:cNvSpPr/>
+          <p:cNvSpPr>
+            <a:spLocks noGrp="1"/>
+          </p:cNvSpPr>
           <p:nvPr>
             <p:ph type="title"/>
           </p:nvPr>
@@ -9258,6 +9211,7 @@
         <p:spPr/>
         <p:txBody>
           <a:bodyPr/>
+          <a:lstStyle/>
           <a:p>
             <a:r>
               <a:rPr lang="en-US" altLang="zh-CN"/>
@@ -9273,19 +9227,12 @@
       </p:sp>
     </p:spTree>
     <p:custDataLst>
-      <p:tags r:id="rId2"/>
+      <p:tags r:id="rId1"/>
     </p:custDataLst>
   </p:cSld>
   <p:clrMapOvr>
     <a:masterClrMapping/>
   </p:clrMapOvr>
-  <p:timing>
-    <p:tnLst>
-      <p:par>
-        <p:cTn id="1" dur="indefinite" restart="never" nodeType="tmRoot"/>
-      </p:par>
-    </p:tnLst>
-  </p:timing>
 </p:sld>
 </file>
 
@@ -9324,6 +9271,7 @@
         </p:spPr>
         <p:txBody>
           <a:bodyPr/>
+          <a:lstStyle/>
           <a:p>
             <a:r>
               <a:rPr lang="en-US"/>
@@ -9333,7 +9281,6 @@
               <a:rPr lang="zh-CN" altLang="en-US"/>
               <a:t>提问</a:t>
             </a:r>
-            <a:endParaRPr lang="zh-CN" altLang="en-US"/>
           </a:p>
         </p:txBody>
       </p:sp>
@@ -9355,6 +9302,7 @@
         </p:spPr>
         <p:txBody>
           <a:bodyPr/>
+          <a:lstStyle/>
           <a:p>
             <a:r>
               <a:rPr lang="en-US" altLang="zh-CN" sz="3600"/>
@@ -9372,7 +9320,6 @@
               <a:rPr lang="zh-CN" altLang="en-US" sz="3600"/>
               <a:t>图中包含关系如何表示</a:t>
             </a:r>
-            <a:endParaRPr lang="zh-CN" altLang="en-US" sz="3600"/>
           </a:p>
         </p:txBody>
       </p:sp>
@@ -9384,13 +9331,6 @@
   <p:clrMapOvr>
     <a:masterClrMapping/>
   </p:clrMapOvr>
-  <p:timing>
-    <p:tnLst>
-      <p:par>
-        <p:cTn id="1" dur="indefinite" restart="never" nodeType="tmRoot"/>
-      </p:par>
-    </p:tnLst>
-  </p:timing>
 </p:sld>
 </file>
 
@@ -9403,7 +9343,14 @@
         <p:cNvGrpSpPr/>
         <p:nvPr/>
       </p:nvGrpSpPr>
-      <p:grpSpPr/>
+      <p:grpSpPr>
+        <a:xfrm>
+          <a:off x="0" y="0"/>
+          <a:ext cx="0" cy="0"/>
+          <a:chOff x="0" y="0"/>
+          <a:chExt cx="0" cy="0"/>
+        </a:xfrm>
+      </p:grpSpPr>
       <p:sp>
         <p:nvSpPr>
           <p:cNvPr id="3" name="内容占位符 2"/>
@@ -9422,6 +9369,7 @@
         </p:spPr>
         <p:txBody>
           <a:bodyPr/>
+          <a:lstStyle/>
           <a:p>
             <a:r>
               <a:rPr lang="zh-CN" altLang="en-US"/>
@@ -9435,7 +9383,6 @@
               <a:rPr lang="zh-CN" altLang="en-US"/>
               <a:t>，箭头方向从基本用例到包含用例</a:t>
             </a:r>
-            <a:endParaRPr lang="zh-CN" altLang="en-US"/>
           </a:p>
         </p:txBody>
       </p:sp>
@@ -9459,7 +9406,14 @@
         <p:cNvGrpSpPr/>
         <p:nvPr/>
       </p:nvGrpSpPr>
-      <p:grpSpPr/>
+      <p:grpSpPr>
+        <a:xfrm>
+          <a:off x="0" y="0"/>
+          <a:ext cx="0" cy="0"/>
+          <a:chOff x="0" y="0"/>
+          <a:chExt cx="0" cy="0"/>
+        </a:xfrm>
+      </p:grpSpPr>
       <p:sp>
         <p:nvSpPr>
           <p:cNvPr id="3" name="内容占位符 2"/>
@@ -9478,6 +9432,7 @@
         </p:spPr>
         <p:txBody>
           <a:bodyPr/>
+          <a:lstStyle/>
           <a:p>
             <a:r>
               <a:rPr lang="en-US" altLang="zh-CN" sz="3600"/>
@@ -9495,7 +9450,6 @@
               <a:rPr lang="zh-CN" altLang="en-US" sz="3600"/>
               <a:t>中用什么来表示一个结点</a:t>
             </a:r>
-            <a:endParaRPr lang="zh-CN" altLang="en-US" sz="3600"/>
           </a:p>
         </p:txBody>
       </p:sp>
@@ -9519,7 +9473,14 @@
         <p:cNvGrpSpPr/>
         <p:nvPr/>
       </p:nvGrpSpPr>
-      <p:grpSpPr/>
+      <p:grpSpPr>
+        <a:xfrm>
+          <a:off x="0" y="0"/>
+          <a:ext cx="0" cy="0"/>
+          <a:chOff x="0" y="0"/>
+          <a:chExt cx="0" cy="0"/>
+        </a:xfrm>
+      </p:grpSpPr>
       <p:sp>
         <p:nvSpPr>
           <p:cNvPr id="3" name="内容占位符 2"/>
@@ -9538,12 +9499,12 @@
         </p:spPr>
         <p:txBody>
           <a:bodyPr/>
+          <a:lstStyle/>
           <a:p>
             <a:r>
               <a:rPr lang="zh-CN" altLang="en-US"/>
               <a:t>立方体</a:t>
             </a:r>
-            <a:endParaRPr lang="zh-CN" altLang="en-US"/>
           </a:p>
         </p:txBody>
       </p:sp>
@@ -9567,7 +9528,14 @@
         <p:cNvGrpSpPr/>
         <p:nvPr/>
       </p:nvGrpSpPr>
-      <p:grpSpPr/>
+      <p:grpSpPr>
+        <a:xfrm>
+          <a:off x="0" y="0"/>
+          <a:ext cx="0" cy="0"/>
+          <a:chOff x="0" y="0"/>
+          <a:chExt cx="0" cy="0"/>
+        </a:xfrm>
+      </p:grpSpPr>
       <p:sp>
         <p:nvSpPr>
           <p:cNvPr id="3" name="内容占位符 2"/>
@@ -9586,6 +9554,7 @@
         </p:spPr>
         <p:txBody>
           <a:bodyPr/>
+          <a:lstStyle/>
           <a:p>
             <a:r>
               <a:rPr lang="en-US" altLang="zh-CN" sz="3600"/>
@@ -9595,7 +9564,6 @@
               <a:rPr lang="zh-CN" altLang="en-US" sz="3600"/>
               <a:t>状态图中初态与终态的区别</a:t>
             </a:r>
-            <a:endParaRPr lang="zh-CN" altLang="en-US" sz="3600"/>
           </a:p>
         </p:txBody>
       </p:sp>
@@ -9619,7 +9587,14 @@
         <p:cNvGrpSpPr/>
         <p:nvPr/>
       </p:nvGrpSpPr>
-      <p:grpSpPr/>
+      <p:grpSpPr>
+        <a:xfrm>
+          <a:off x="0" y="0"/>
+          <a:ext cx="0" cy="0"/>
+          <a:chOff x="0" y="0"/>
+          <a:chExt cx="0" cy="0"/>
+        </a:xfrm>
+      </p:grpSpPr>
       <p:sp>
         <p:nvSpPr>
           <p:cNvPr id="3" name="内容占位符 2"/>
@@ -9638,12 +9613,12 @@
         </p:spPr>
         <p:txBody>
           <a:bodyPr/>
+          <a:lstStyle/>
           <a:p>
             <a:r>
               <a:rPr lang="zh-CN" altLang="en-US"/>
               <a:t>初态实心圆点表示，终态圆形内嵌圆点表示</a:t>
             </a:r>
-            <a:endParaRPr lang="zh-CN" altLang="en-US"/>
           </a:p>
         </p:txBody>
       </p:sp>
@@ -9693,6 +9668,7 @@
         </p:spPr>
         <p:txBody>
           <a:bodyPr/>
+          <a:lstStyle/>
           <a:p>
             <a:r>
               <a:rPr lang="en-US"/>
@@ -9702,7 +9678,6 @@
               <a:rPr lang="zh-CN" altLang="en-US"/>
               <a:t>小组成员分工及评分</a:t>
             </a:r>
-            <a:endParaRPr lang="zh-CN" altLang="en-US"/>
           </a:p>
         </p:txBody>
       </p:sp>
@@ -9724,46 +9699,87 @@
         </p:spPr>
         <p:txBody>
           <a:bodyPr/>
-          <a:p>
-            <a:r>
-              <a:rPr lang="zh-CN" altLang="en-US"/>
+          <a:lstStyle/>
+          <a:p>
+            <a:r>
+              <a:rPr lang="zh-CN" altLang="en-US" dirty="0"/>
               <a:t>吴桐：</a:t>
             </a:r>
-            <a:endParaRPr lang="zh-CN" altLang="en-US"/>
-          </a:p>
-          <a:p>
-            <a:r>
-              <a:rPr lang="zh-CN" altLang="en-US"/>
+            <a:r>
+              <a:rPr lang="en-US" altLang="zh-CN" dirty="0"/>
+              <a:t>8.5 </a:t>
+            </a:r>
+            <a:r>
+              <a:rPr lang="zh-CN" altLang="en-US" dirty="0"/>
+              <a:t>修改</a:t>
+            </a:r>
+          </a:p>
+          <a:p>
+            <a:r>
+              <a:rPr lang="zh-CN" altLang="en-US" dirty="0"/>
               <a:t>赵高生：</a:t>
             </a:r>
-            <a:endParaRPr lang="zh-CN" altLang="en-US"/>
-          </a:p>
-          <a:p>
-            <a:r>
-              <a:rPr lang="zh-CN" altLang="en-US"/>
+            <a:r>
+              <a:rPr lang="en-US" altLang="zh-CN" dirty="0"/>
+              <a:t>8.4 </a:t>
+            </a:r>
+            <a:r>
+              <a:rPr lang="zh-CN" altLang="en-US" dirty="0"/>
+              <a:t>收集资料</a:t>
+            </a:r>
+          </a:p>
+          <a:p>
+            <a:r>
+              <a:rPr lang="zh-CN" altLang="en-US" dirty="0"/>
               <a:t>尹健瑾：</a:t>
             </a:r>
-            <a:endParaRPr lang="zh-CN" altLang="en-US"/>
-          </a:p>
-          <a:p>
-            <a:r>
-              <a:rPr lang="zh-CN" altLang="en-US"/>
+            <a:r>
+              <a:rPr lang="en-US" altLang="zh-CN" dirty="0"/>
+              <a:t>8.7</a:t>
+            </a:r>
+            <a:r>
+              <a:rPr lang="zh-CN" altLang="en-US" dirty="0"/>
+              <a:t>修改</a:t>
+            </a:r>
+          </a:p>
+          <a:p>
+            <a:r>
+              <a:rPr lang="zh-CN" altLang="en-US" dirty="0"/>
               <a:t>袁泽成：</a:t>
             </a:r>
-            <a:endParaRPr lang="zh-CN" altLang="en-US"/>
-          </a:p>
-          <a:p>
-            <a:r>
-              <a:rPr lang="zh-CN" altLang="en-US"/>
-              <a:t>邬立冬：</a:t>
-            </a:r>
-            <a:endParaRPr lang="zh-CN" altLang="en-US"/>
-          </a:p>
-          <a:p>
-            <a:endParaRPr lang="zh-CN" altLang="en-US"/>
-          </a:p>
-          <a:p>
-            <a:endParaRPr lang="zh-CN" altLang="en-US"/>
+            <a:r>
+              <a:rPr lang="en-US" altLang="zh-CN" dirty="0"/>
+              <a:t>9.0</a:t>
+            </a:r>
+            <a:r>
+              <a:rPr lang="zh-CN" altLang="en-US" dirty="0"/>
+              <a:t>制作</a:t>
+            </a:r>
+            <a:r>
+              <a:rPr lang="en-US" altLang="zh-CN" dirty="0"/>
+              <a:t>PPT</a:t>
+            </a:r>
+            <a:endParaRPr lang="zh-CN" altLang="en-US" dirty="0"/>
+          </a:p>
+          <a:p>
+            <a:r>
+              <a:rPr lang="zh-CN" altLang="en-US" dirty="0"/>
+              <a:t>邬立冬： </a:t>
+            </a:r>
+            <a:r>
+              <a:rPr lang="en-US" altLang="zh-CN" dirty="0"/>
+              <a:t>9.2 </a:t>
+            </a:r>
+            <a:r>
+              <a:rPr lang="zh-CN" altLang="en-US" dirty="0"/>
+              <a:t>画图</a:t>
+            </a:r>
+          </a:p>
+          <a:p>
+            <a:endParaRPr lang="zh-CN" altLang="en-US" dirty="0"/>
+          </a:p>
+          <a:p>
+            <a:endParaRPr lang="zh-CN" altLang="en-US" dirty="0"/>
           </a:p>
         </p:txBody>
       </p:sp>
@@ -9775,13 +9791,6 @@
   <p:clrMapOvr>
     <a:masterClrMapping/>
   </p:clrMapOvr>
-  <p:timing>
-    <p:tnLst>
-      <p:par>
-        <p:cTn id="1" dur="indefinite" restart="never" nodeType="tmRoot"/>
-      </p:par>
-    </p:tnLst>
-  </p:timing>
 </p:sld>
 </file>
 
@@ -9811,7 +9820,7 @@
           <p:nvPr>
             <p:ph type="title"/>
             <p:custDataLst>
-              <p:tags r:id="rId1"/>
+              <p:tags r:id="rId2"/>
             </p:custDataLst>
           </p:nvPr>
         </p:nvSpPr>
@@ -9823,28 +9832,20 @@
           <a:lstStyle/>
           <a:p>
             <a:r>
-              <a:rPr lang="en-US" altLang="zh-CN" smtClean="0"/>
+              <a:rPr lang="en-US" altLang="zh-CN"/>
               <a:t>THANKS</a:t>
             </a:r>
-            <a:endParaRPr lang="en-US" altLang="zh-CN" smtClean="0"/>
           </a:p>
         </p:txBody>
       </p:sp>
     </p:spTree>
     <p:custDataLst>
-      <p:tags r:id="rId2"/>
+      <p:tags r:id="rId1"/>
     </p:custDataLst>
   </p:cSld>
   <p:clrMapOvr>
     <a:masterClrMapping/>
   </p:clrMapOvr>
-  <p:timing>
-    <p:tnLst>
-      <p:par>
-        <p:cTn id="1" dur="indefinite" restart="never" nodeType="tmRoot"/>
-      </p:par>
-    </p:tnLst>
-  </p:timing>
 </p:sld>
 </file>
 
@@ -9874,7 +9875,7 @@
           <p:nvPr>
             <p:ph type="title"/>
             <p:custDataLst>
-              <p:tags r:id="rId1"/>
+              <p:tags r:id="rId2"/>
             </p:custDataLst>
           </p:nvPr>
         </p:nvSpPr>
@@ -9893,7 +9894,6 @@
               <a:rPr lang="zh-CN" altLang="en-US" dirty="0"/>
               <a:t>用例图</a:t>
             </a:r>
-            <a:endParaRPr lang="zh-CN" altLang="en-US" dirty="0"/>
           </a:p>
         </p:txBody>
       </p:sp>
@@ -9906,7 +9906,7 @@
           <p:nvPr>
             <p:ph sz="half" idx="1"/>
             <p:custDataLst>
-              <p:tags r:id="rId2"/>
+              <p:tags r:id="rId3"/>
             </p:custDataLst>
           </p:nvPr>
         </p:nvSpPr>
@@ -9935,25 +9935,17 @@
               <a:rPr lang="zh-CN" altLang="en-US" dirty="0"/>
               <a:t>描述角色以及角色与用例之间的连接关系。说明的是谁要使用系统，以及他们使用该系统可以做些什么。一个用例图包含了多个模型元素，如系统、参与者和用例，并且显示了这些元素之间的各种关系，如泛化、关联和依赖。</a:t>
             </a:r>
-            <a:endParaRPr lang="zh-CN" altLang="en-US" dirty="0"/>
           </a:p>
         </p:txBody>
       </p:sp>
     </p:spTree>
     <p:custDataLst>
-      <p:tags r:id="rId3"/>
+      <p:tags r:id="rId1"/>
     </p:custDataLst>
   </p:cSld>
   <p:clrMapOvr>
     <a:masterClrMapping/>
   </p:clrMapOvr>
-  <p:timing>
-    <p:tnLst>
-      <p:par>
-        <p:cTn id="1" dur="indefinite" restart="never" nodeType="tmRoot"/>
-      </p:par>
-    </p:tnLst>
-  </p:timing>
 </p:sld>
 </file>
 
@@ -9983,7 +9975,7 @@
           <p:nvPr/>
         </p:nvPicPr>
         <p:blipFill>
-          <a:blip r:embed="rId1"/>
+          <a:blip r:embed="rId4"/>
           <a:stretch>
             <a:fillRect/>
           </a:stretch>
@@ -10004,19 +9996,12 @@
       </p:pic>
     </p:spTree>
     <p:custDataLst>
-      <p:tags r:id="rId2"/>
+      <p:tags r:id="rId1"/>
     </p:custDataLst>
   </p:cSld>
   <p:clrMapOvr>
     <a:masterClrMapping/>
   </p:clrMapOvr>
-  <p:timing>
-    <p:tnLst>
-      <p:par>
-        <p:cTn id="1" dur="indefinite" restart="never" nodeType="tmRoot"/>
-      </p:par>
-    </p:tnLst>
-  </p:timing>
 </p:sld>
 </file>
 
@@ -10029,7 +10014,14 @@
         <p:cNvGrpSpPr/>
         <p:nvPr/>
       </p:nvGrpSpPr>
-      <p:grpSpPr/>
+      <p:grpSpPr>
+        <a:xfrm>
+          <a:off x="0" y="0"/>
+          <a:ext cx="0" cy="0"/>
+          <a:chOff x="0" y="0"/>
+          <a:chExt cx="0" cy="0"/>
+        </a:xfrm>
+      </p:grpSpPr>
       <p:pic>
         <p:nvPicPr>
           <p:cNvPr id="21" name="图片 1"/>
@@ -10039,7 +10031,7 @@
           <p:nvPr/>
         </p:nvPicPr>
         <p:blipFill>
-          <a:blip r:embed="rId1"/>
+          <a:blip r:embed="rId3"/>
           <a:srcRect l="6201" t="8028" r="15348" b="8386"/>
           <a:stretch>
             <a:fillRect/>
@@ -10061,7 +10053,7 @@
       </p:pic>
     </p:spTree>
     <p:custDataLst>
-      <p:tags r:id="rId2"/>
+      <p:tags r:id="rId1"/>
     </p:custDataLst>
   </p:cSld>
   <p:clrMapOvr>
@@ -10095,7 +10087,7 @@
           </p:cNvSpPr>
           <p:nvPr>
             <p:custDataLst>
-              <p:tags r:id="rId1"/>
+              <p:tags r:id="rId2"/>
             </p:custDataLst>
           </p:nvPr>
         </p:nvSpPr>
@@ -10140,7 +10132,6 @@
               <a:rPr lang="zh-CN" altLang="en-US" dirty="0"/>
               <a:t>类图</a:t>
             </a:r>
-            <a:endParaRPr lang="zh-CN" altLang="en-US" dirty="0"/>
           </a:p>
         </p:txBody>
       </p:sp>
@@ -10152,7 +10143,7 @@
           </p:cNvSpPr>
           <p:nvPr>
             <p:custDataLst>
-              <p:tags r:id="rId2"/>
+              <p:tags r:id="rId3"/>
             </p:custDataLst>
           </p:nvPr>
         </p:nvSpPr>
@@ -10370,19 +10361,12 @@
       </p:sp>
     </p:spTree>
     <p:custDataLst>
-      <p:tags r:id="rId3"/>
+      <p:tags r:id="rId1"/>
     </p:custDataLst>
   </p:cSld>
   <p:clrMapOvr>
     <a:masterClrMapping/>
   </p:clrMapOvr>
-  <p:timing>
-    <p:tnLst>
-      <p:par>
-        <p:cTn id="1" dur="indefinite" restart="never" nodeType="tmRoot"/>
-      </p:par>
-    </p:tnLst>
-  </p:timing>
 </p:sld>
 </file>
 
@@ -10412,7 +10396,7 @@
           <p:nvPr/>
         </p:nvPicPr>
         <p:blipFill>
-          <a:blip r:embed="rId1"/>
+          <a:blip r:embed="rId4"/>
           <a:stretch>
             <a:fillRect/>
           </a:stretch>
@@ -10433,19 +10417,12 @@
       </p:pic>
     </p:spTree>
     <p:custDataLst>
-      <p:tags r:id="rId2"/>
+      <p:tags r:id="rId1"/>
     </p:custDataLst>
   </p:cSld>
   <p:clrMapOvr>
     <a:masterClrMapping/>
   </p:clrMapOvr>
-  <p:timing>
-    <p:tnLst>
-      <p:par>
-        <p:cTn id="1" dur="indefinite" restart="never" nodeType="tmRoot"/>
-      </p:par>
-    </p:tnLst>
-  </p:timing>
 </p:sld>
 </file>
 
@@ -10458,7 +10435,14 @@
         <p:cNvGrpSpPr/>
         <p:nvPr/>
       </p:nvGrpSpPr>
-      <p:grpSpPr/>
+      <p:grpSpPr>
+        <a:xfrm>
+          <a:off x="0" y="0"/>
+          <a:ext cx="0" cy="0"/>
+          <a:chOff x="0" y="0"/>
+          <a:chExt cx="0" cy="0"/>
+        </a:xfrm>
+      </p:grpSpPr>
       <p:pic>
         <p:nvPicPr>
           <p:cNvPr id="16" name="图片 16"/>
@@ -10468,7 +10452,7 @@
           <p:nvPr/>
         </p:nvPicPr>
         <p:blipFill>
-          <a:blip r:embed="rId1"/>
+          <a:blip r:embed="rId3"/>
           <a:srcRect l="2726" t="8274" r="60179" b="16565"/>
           <a:stretch>
             <a:fillRect/>
@@ -10490,7 +10474,7 @@
       </p:pic>
     </p:spTree>
     <p:custDataLst>
-      <p:tags r:id="rId2"/>
+      <p:tags r:id="rId1"/>
     </p:custDataLst>
   </p:cSld>
   <p:clrMapOvr>
@@ -10524,7 +10508,7 @@
           </p:cNvSpPr>
           <p:nvPr>
             <p:custDataLst>
-              <p:tags r:id="rId1"/>
+              <p:tags r:id="rId2"/>
             </p:custDataLst>
           </p:nvPr>
         </p:nvSpPr>
@@ -10569,7 +10553,6 @@
               <a:rPr lang="zh-CN" altLang="en-US" dirty="0"/>
               <a:t>状态图</a:t>
             </a:r>
-            <a:endParaRPr lang="zh-CN" altLang="en-US" dirty="0"/>
           </a:p>
         </p:txBody>
       </p:sp>
@@ -10581,7 +10564,7 @@
           </p:cNvSpPr>
           <p:nvPr>
             <p:custDataLst>
-              <p:tags r:id="rId2"/>
+              <p:tags r:id="rId3"/>
             </p:custDataLst>
           </p:nvPr>
         </p:nvSpPr>
@@ -10787,24 +10770,17 @@
       </p:sp>
     </p:spTree>
     <p:custDataLst>
-      <p:tags r:id="rId3"/>
+      <p:tags r:id="rId1"/>
     </p:custDataLst>
   </p:cSld>
   <p:clrMapOvr>
     <a:masterClrMapping/>
   </p:clrMapOvr>
-  <p:timing>
-    <p:tnLst>
-      <p:par>
-        <p:cTn id="1" dur="indefinite" restart="never" nodeType="tmRoot"/>
-      </p:par>
-    </p:tnLst>
-  </p:timing>
 </p:sld>
 </file>
 
 <file path=ppt/tags/tag1.xml><?xml version="1.0" encoding="utf-8"?>
-<p:tagLst xmlns:p="http://schemas.openxmlformats.org/presentationml/2006/main">
+<p:tagLst xmlns:a="http://schemas.openxmlformats.org/drawingml/2006/main" xmlns:r="http://schemas.openxmlformats.org/officeDocument/2006/relationships" xmlns:p="http://schemas.openxmlformats.org/presentationml/2006/main">
   <p:tag name="KSO_WM_TAG_VERSION" val="1.0"/>
   <p:tag name="KSO_WM_TEMPLATE_CATEGORY" val="custom"/>
   <p:tag name="KSO_WM_TEMPLATE_INDEX" val="160472"/>
@@ -10812,7 +10788,7 @@
 </file>
 
 <file path=ppt/tags/tag10.xml><?xml version="1.0" encoding="utf-8"?>
-<p:tagLst xmlns:p="http://schemas.openxmlformats.org/presentationml/2006/main">
+<p:tagLst xmlns:a="http://schemas.openxmlformats.org/drawingml/2006/main" xmlns:r="http://schemas.openxmlformats.org/officeDocument/2006/relationships" xmlns:p="http://schemas.openxmlformats.org/presentationml/2006/main">
   <p:tag name="KSO_WM_TEMPLATE_CATEGORY" val="custom"/>
   <p:tag name="KSO_WM_TEMPLATE_INDEX" val="160472"/>
   <p:tag name="KSO_WM_SLIDE_ID" val="custom160472_6"/>
@@ -10830,7 +10806,7 @@
 </file>
 
 <file path=ppt/tags/tag11.xml><?xml version="1.0" encoding="utf-8"?>
-<p:tagLst xmlns:p="http://schemas.openxmlformats.org/presentationml/2006/main">
+<p:tagLst xmlns:a="http://schemas.openxmlformats.org/drawingml/2006/main" xmlns:r="http://schemas.openxmlformats.org/officeDocument/2006/relationships" xmlns:p="http://schemas.openxmlformats.org/presentationml/2006/main">
   <p:tag name="KSO_WM_BEAUTIFY_FLAG" val="#wm#"/>
   <p:tag name="KSO_WM_TEMPLATE_CATEGORY" val="custom"/>
   <p:tag name="KSO_WM_TEMPLATE_INDEX" val="160472"/>
@@ -10838,7 +10814,23 @@
 </file>
 
 <file path=ppt/tags/tag12.xml><?xml version="1.0" encoding="utf-8"?>
-<p:tagLst xmlns:p="http://schemas.openxmlformats.org/presentationml/2006/main">
+<p:tagLst xmlns:a="http://schemas.openxmlformats.org/drawingml/2006/main" xmlns:r="http://schemas.openxmlformats.org/officeDocument/2006/relationships" xmlns:p="http://schemas.openxmlformats.org/presentationml/2006/main">
+  <p:tag name="KSO_WM_TEMPLATE_CATEGORY" val="custom"/>
+  <p:tag name="KSO_WM_TEMPLATE_INDEX" val="160472"/>
+  <p:tag name="KSO_WM_SLIDE_ID" val="custom160472_7"/>
+  <p:tag name="KSO_WM_SLIDE_INDEX" val="7"/>
+  <p:tag name="KSO_WM_SLIDE_ITEM_CNT" val="2"/>
+  <p:tag name="KSO_WM_SLIDE_LAYOUT" val="a_l"/>
+  <p:tag name="KSO_WM_SLIDE_LAYOUT_CNT" val="1_1"/>
+  <p:tag name="KSO_WM_SLIDE_TYPE" val="contents"/>
+  <p:tag name="KSO_WM_BEAUTIFY_FLAG" val="#wm#"/>
+  <p:tag name="KSO_WM_TAG_VERSION" val="1.0"/>
+  <p:tag name="KSO_WM_DIAGRAM_GROUP_CODE" val="l1-1"/>
+</p:tagLst>
+</file>
+
+<file path=ppt/tags/tag13.xml><?xml version="1.0" encoding="utf-8"?>
+<p:tagLst xmlns:a="http://schemas.openxmlformats.org/drawingml/2006/main" xmlns:r="http://schemas.openxmlformats.org/officeDocument/2006/relationships" xmlns:p="http://schemas.openxmlformats.org/presentationml/2006/main">
   <p:tag name="KSO_WM_TAG_VERSION" val="1.0"/>
   <p:tag name="KSO_WM_BEAUTIFY_FLAG" val="#wm#"/>
   <p:tag name="KSO_WM_TEMPLATE_CATEGORY" val="custom"/>
@@ -10857,8 +10849,8 @@
 </p:tagLst>
 </file>
 
-<file path=ppt/tags/tag13.xml><?xml version="1.0" encoding="utf-8"?>
-<p:tagLst xmlns:p="http://schemas.openxmlformats.org/presentationml/2006/main">
+<file path=ppt/tags/tag14.xml><?xml version="1.0" encoding="utf-8"?>
+<p:tagLst xmlns:a="http://schemas.openxmlformats.org/drawingml/2006/main" xmlns:r="http://schemas.openxmlformats.org/officeDocument/2006/relationships" xmlns:p="http://schemas.openxmlformats.org/presentationml/2006/main">
   <p:tag name="KSO_WM_TAG_VERSION" val="1.0"/>
   <p:tag name="KSO_WM_BEAUTIFY_FLAG" val="#wm#"/>
   <p:tag name="KSO_WM_TEMPLATE_CATEGORY" val="custom"/>
@@ -10876,24 +10868,8 @@
 </p:tagLst>
 </file>
 
-<file path=ppt/tags/tag14.xml><?xml version="1.0" encoding="utf-8"?>
-<p:tagLst xmlns:p="http://schemas.openxmlformats.org/presentationml/2006/main">
-  <p:tag name="KSO_WM_TEMPLATE_CATEGORY" val="custom"/>
-  <p:tag name="KSO_WM_TEMPLATE_INDEX" val="160472"/>
-  <p:tag name="KSO_WM_SLIDE_ID" val="custom160472_7"/>
-  <p:tag name="KSO_WM_SLIDE_INDEX" val="7"/>
-  <p:tag name="KSO_WM_SLIDE_ITEM_CNT" val="2"/>
-  <p:tag name="KSO_WM_SLIDE_LAYOUT" val="a_l"/>
-  <p:tag name="KSO_WM_SLIDE_LAYOUT_CNT" val="1_1"/>
-  <p:tag name="KSO_WM_SLIDE_TYPE" val="contents"/>
-  <p:tag name="KSO_WM_BEAUTIFY_FLAG" val="#wm#"/>
-  <p:tag name="KSO_WM_TAG_VERSION" val="1.0"/>
-  <p:tag name="KSO_WM_DIAGRAM_GROUP_CODE" val="l1-1"/>
-</p:tagLst>
-</file>
-
 <file path=ppt/tags/tag15.xml><?xml version="1.0" encoding="utf-8"?>
-<p:tagLst xmlns:p="http://schemas.openxmlformats.org/presentationml/2006/main">
+<p:tagLst xmlns:a="http://schemas.openxmlformats.org/drawingml/2006/main" xmlns:r="http://schemas.openxmlformats.org/officeDocument/2006/relationships" xmlns:p="http://schemas.openxmlformats.org/presentationml/2006/main">
   <p:tag name="KSO_WM_TEMPLATE_CATEGORY" val="custom"/>
   <p:tag name="KSO_WM_TEMPLATE_INDEX" val="160472"/>
   <p:tag name="KSO_WM_SLIDE_ID" val="custom160472_8"/>
@@ -10911,7 +10887,7 @@
 </file>
 
 <file path=ppt/tags/tag16.xml><?xml version="1.0" encoding="utf-8"?>
-<p:tagLst xmlns:p="http://schemas.openxmlformats.org/presentationml/2006/main">
+<p:tagLst xmlns:a="http://schemas.openxmlformats.org/drawingml/2006/main" xmlns:r="http://schemas.openxmlformats.org/officeDocument/2006/relationships" xmlns:p="http://schemas.openxmlformats.org/presentationml/2006/main">
   <p:tag name="KSO_WM_BEAUTIFY_FLAG" val="#wm#"/>
   <p:tag name="KSO_WM_TEMPLATE_CATEGORY" val="custom"/>
   <p:tag name="KSO_WM_TEMPLATE_INDEX" val="160472"/>
@@ -10919,7 +10895,25 @@
 </file>
 
 <file path=ppt/tags/tag17.xml><?xml version="1.0" encoding="utf-8"?>
-<p:tagLst xmlns:p="http://schemas.openxmlformats.org/presentationml/2006/main">
+<p:tagLst xmlns:a="http://schemas.openxmlformats.org/drawingml/2006/main" xmlns:r="http://schemas.openxmlformats.org/officeDocument/2006/relationships" xmlns:p="http://schemas.openxmlformats.org/presentationml/2006/main">
+  <p:tag name="KSO_WM_TEMPLATE_CATEGORY" val="custom"/>
+  <p:tag name="KSO_WM_TEMPLATE_INDEX" val="160472"/>
+  <p:tag name="KSO_WM_SLIDE_ID" val="custom160472_9"/>
+  <p:tag name="KSO_WM_SLIDE_INDEX" val="9"/>
+  <p:tag name="KSO_WM_SLIDE_ITEM_CNT" val="4"/>
+  <p:tag name="KSO_WM_SLIDE_LAYOUT" val="a_l"/>
+  <p:tag name="KSO_WM_SLIDE_LAYOUT_CNT" val="1_1"/>
+  <p:tag name="KSO_WM_SLIDE_TYPE" val="contents"/>
+  <p:tag name="KSO_WM_BEAUTIFY_FLAG" val="#wm#"/>
+  <p:tag name="KSO_WM_TAG_VERSION" val="1.0"/>
+  <p:tag name="KSO_WM_SLIDE_POSITION" val="170*171"/>
+  <p:tag name="KSO_WM_SLIDE_SIZE" val="440*258"/>
+  <p:tag name="KSO_WM_DIAGRAM_GROUP_CODE" val="l1-1"/>
+</p:tagLst>
+</file>
+
+<file path=ppt/tags/tag18.xml><?xml version="1.0" encoding="utf-8"?>
+<p:tagLst xmlns:a="http://schemas.openxmlformats.org/drawingml/2006/main" xmlns:r="http://schemas.openxmlformats.org/officeDocument/2006/relationships" xmlns:p="http://schemas.openxmlformats.org/presentationml/2006/main">
   <p:tag name="KSO_WM_TAG_VERSION" val="1.0"/>
   <p:tag name="KSO_WM_BEAUTIFY_FLAG" val="#wm#"/>
   <p:tag name="KSO_WM_TEMPLATE_CATEGORY" val="custom"/>
@@ -10938,8 +10932,8 @@
 </p:tagLst>
 </file>
 
-<file path=ppt/tags/tag18.xml><?xml version="1.0" encoding="utf-8"?>
-<p:tagLst xmlns:p="http://schemas.openxmlformats.org/presentationml/2006/main">
+<file path=ppt/tags/tag19.xml><?xml version="1.0" encoding="utf-8"?>
+<p:tagLst xmlns:a="http://schemas.openxmlformats.org/drawingml/2006/main" xmlns:r="http://schemas.openxmlformats.org/officeDocument/2006/relationships" xmlns:p="http://schemas.openxmlformats.org/presentationml/2006/main">
   <p:tag name="KSO_WM_TAG_VERSION" val="1.0"/>
   <p:tag name="KSO_WM_BEAUTIFY_FLAG" val="#wm#"/>
   <p:tag name="KSO_WM_TEMPLATE_CATEGORY" val="custom"/>
@@ -10957,26 +10951,8 @@
 </p:tagLst>
 </file>
 
-<file path=ppt/tags/tag19.xml><?xml version="1.0" encoding="utf-8"?>
-<p:tagLst xmlns:p="http://schemas.openxmlformats.org/presentationml/2006/main">
-  <p:tag name="KSO_WM_TEMPLATE_CATEGORY" val="custom"/>
-  <p:tag name="KSO_WM_TEMPLATE_INDEX" val="160472"/>
-  <p:tag name="KSO_WM_SLIDE_ID" val="custom160472_9"/>
-  <p:tag name="KSO_WM_SLIDE_INDEX" val="9"/>
-  <p:tag name="KSO_WM_SLIDE_ITEM_CNT" val="4"/>
-  <p:tag name="KSO_WM_SLIDE_LAYOUT" val="a_l"/>
-  <p:tag name="KSO_WM_SLIDE_LAYOUT_CNT" val="1_1"/>
-  <p:tag name="KSO_WM_SLIDE_TYPE" val="contents"/>
-  <p:tag name="KSO_WM_BEAUTIFY_FLAG" val="#wm#"/>
-  <p:tag name="KSO_WM_TAG_VERSION" val="1.0"/>
-  <p:tag name="KSO_WM_SLIDE_POSITION" val="170*171"/>
-  <p:tag name="KSO_WM_SLIDE_SIZE" val="440*258"/>
-  <p:tag name="KSO_WM_DIAGRAM_GROUP_CODE" val="l1-1"/>
-</p:tagLst>
-</file>
-
 <file path=ppt/tags/tag2.xml><?xml version="1.0" encoding="utf-8"?>
-<p:tagLst xmlns:p="http://schemas.openxmlformats.org/presentationml/2006/main">
+<p:tagLst xmlns:a="http://schemas.openxmlformats.org/drawingml/2006/main" xmlns:r="http://schemas.openxmlformats.org/officeDocument/2006/relationships" xmlns:p="http://schemas.openxmlformats.org/presentationml/2006/main">
   <p:tag name="KSO_WM_TAG_VERSION" val="1.0"/>
   <p:tag name="KSO_WM_TEMPLATE_CATEGORY" val="custom"/>
   <p:tag name="KSO_WM_TEMPLATE_INDEX" val="160472"/>
@@ -10984,7 +10960,7 @@
 </file>
 
 <file path=ppt/tags/tag20.xml><?xml version="1.0" encoding="utf-8"?>
-<p:tagLst xmlns:p="http://schemas.openxmlformats.org/presentationml/2006/main">
+<p:tagLst xmlns:a="http://schemas.openxmlformats.org/drawingml/2006/main" xmlns:r="http://schemas.openxmlformats.org/officeDocument/2006/relationships" xmlns:p="http://schemas.openxmlformats.org/presentationml/2006/main">
   <p:tag name="KSO_WM_TEMPLATE_CATEGORY" val="custom"/>
   <p:tag name="KSO_WM_TEMPLATE_INDEX" val="160472"/>
   <p:tag name="KSO_WM_SLIDE_ID" val="custom160472_10"/>
@@ -11000,7 +10976,7 @@
 </file>
 
 <file path=ppt/tags/tag21.xml><?xml version="1.0" encoding="utf-8"?>
-<p:tagLst xmlns:p="http://schemas.openxmlformats.org/presentationml/2006/main">
+<p:tagLst xmlns:a="http://schemas.openxmlformats.org/drawingml/2006/main" xmlns:r="http://schemas.openxmlformats.org/officeDocument/2006/relationships" xmlns:p="http://schemas.openxmlformats.org/presentationml/2006/main">
   <p:tag name="KSO_WM_BEAUTIFY_FLAG" val="#wm#"/>
   <p:tag name="KSO_WM_TEMPLATE_CATEGORY" val="custom"/>
   <p:tag name="KSO_WM_TEMPLATE_INDEX" val="160472"/>
@@ -11008,7 +10984,23 @@
 </file>
 
 <file path=ppt/tags/tag22.xml><?xml version="1.0" encoding="utf-8"?>
-<p:tagLst xmlns:p="http://schemas.openxmlformats.org/presentationml/2006/main">
+<p:tagLst xmlns:a="http://schemas.openxmlformats.org/drawingml/2006/main" xmlns:r="http://schemas.openxmlformats.org/officeDocument/2006/relationships" xmlns:p="http://schemas.openxmlformats.org/presentationml/2006/main">
+  <p:tag name="KSO_WM_TEMPLATE_CATEGORY" val="custom"/>
+  <p:tag name="KSO_WM_TEMPLATE_INDEX" val="160472"/>
+  <p:tag name="KSO_WM_SLIDE_ID" val="custom160472_11"/>
+  <p:tag name="KSO_WM_SLIDE_INDEX" val="11"/>
+  <p:tag name="KSO_WM_SLIDE_ITEM_CNT" val="6"/>
+  <p:tag name="KSO_WM_SLIDE_LAYOUT" val="a_l"/>
+  <p:tag name="KSO_WM_SLIDE_LAYOUT_CNT" val="1_1"/>
+  <p:tag name="KSO_WM_SLIDE_TYPE" val="contents"/>
+  <p:tag name="KSO_WM_BEAUTIFY_FLAG" val="#wm#"/>
+  <p:tag name="KSO_WM_TAG_VERSION" val="1.0"/>
+  <p:tag name="KSO_WM_DIAGRAM_GROUP_CODE" val="l1-1"/>
+</p:tagLst>
+</file>
+
+<file path=ppt/tags/tag23.xml><?xml version="1.0" encoding="utf-8"?>
+<p:tagLst xmlns:a="http://schemas.openxmlformats.org/drawingml/2006/main" xmlns:r="http://schemas.openxmlformats.org/officeDocument/2006/relationships" xmlns:p="http://schemas.openxmlformats.org/presentationml/2006/main">
   <p:tag name="KSO_WM_TAG_VERSION" val="1.0"/>
   <p:tag name="KSO_WM_BEAUTIFY_FLAG" val="#wm#"/>
   <p:tag name="KSO_WM_TEMPLATE_CATEGORY" val="custom"/>
@@ -11027,8 +11019,8 @@
 </p:tagLst>
 </file>
 
-<file path=ppt/tags/tag23.xml><?xml version="1.0" encoding="utf-8"?>
-<p:tagLst xmlns:p="http://schemas.openxmlformats.org/presentationml/2006/main">
+<file path=ppt/tags/tag24.xml><?xml version="1.0" encoding="utf-8"?>
+<p:tagLst xmlns:a="http://schemas.openxmlformats.org/drawingml/2006/main" xmlns:r="http://schemas.openxmlformats.org/officeDocument/2006/relationships" xmlns:p="http://schemas.openxmlformats.org/presentationml/2006/main">
   <p:tag name="KSO_WM_TAG_VERSION" val="1.0"/>
   <p:tag name="KSO_WM_BEAUTIFY_FLAG" val="#wm#"/>
   <p:tag name="KSO_WM_TEMPLATE_CATEGORY" val="custom"/>
@@ -11046,24 +11038,8 @@
 </p:tagLst>
 </file>
 
-<file path=ppt/tags/tag24.xml><?xml version="1.0" encoding="utf-8"?>
-<p:tagLst xmlns:p="http://schemas.openxmlformats.org/presentationml/2006/main">
-  <p:tag name="KSO_WM_TEMPLATE_CATEGORY" val="custom"/>
-  <p:tag name="KSO_WM_TEMPLATE_INDEX" val="160472"/>
-  <p:tag name="KSO_WM_SLIDE_ID" val="custom160472_11"/>
-  <p:tag name="KSO_WM_SLIDE_INDEX" val="11"/>
-  <p:tag name="KSO_WM_SLIDE_ITEM_CNT" val="6"/>
-  <p:tag name="KSO_WM_SLIDE_LAYOUT" val="a_l"/>
-  <p:tag name="KSO_WM_SLIDE_LAYOUT_CNT" val="1_1"/>
-  <p:tag name="KSO_WM_SLIDE_TYPE" val="contents"/>
-  <p:tag name="KSO_WM_BEAUTIFY_FLAG" val="#wm#"/>
-  <p:tag name="KSO_WM_TAG_VERSION" val="1.0"/>
-  <p:tag name="KSO_WM_DIAGRAM_GROUP_CODE" val="l1-1"/>
-</p:tagLst>
-</file>
-
 <file path=ppt/tags/tag25.xml><?xml version="1.0" encoding="utf-8"?>
-<p:tagLst xmlns:p="http://schemas.openxmlformats.org/presentationml/2006/main">
+<p:tagLst xmlns:a="http://schemas.openxmlformats.org/drawingml/2006/main" xmlns:r="http://schemas.openxmlformats.org/officeDocument/2006/relationships" xmlns:p="http://schemas.openxmlformats.org/presentationml/2006/main">
   <p:tag name="KSO_WM_TEMPLATE_CATEGORY" val="custom"/>
   <p:tag name="KSO_WM_TEMPLATE_INDEX" val="160472"/>
   <p:tag name="KSO_WM_SLIDE_ID" val="custom160472_13"/>
@@ -11081,7 +11057,25 @@
 </file>
 
 <file path=ppt/tags/tag26.xml><?xml version="1.0" encoding="utf-8"?>
-<p:tagLst xmlns:p="http://schemas.openxmlformats.org/presentationml/2006/main">
+<p:tagLst xmlns:a="http://schemas.openxmlformats.org/drawingml/2006/main" xmlns:r="http://schemas.openxmlformats.org/officeDocument/2006/relationships" xmlns:p="http://schemas.openxmlformats.org/presentationml/2006/main">
+  <p:tag name="KSO_WM_TEMPLATE_CATEGORY" val="custom"/>
+  <p:tag name="KSO_WM_TEMPLATE_INDEX" val="160472"/>
+  <p:tag name="KSO_WM_SLIDE_ID" val="custom160472_14"/>
+  <p:tag name="KSO_WM_SLIDE_INDEX" val="14"/>
+  <p:tag name="KSO_WM_SLIDE_ITEM_CNT" val="2"/>
+  <p:tag name="KSO_WM_SLIDE_LAYOUT" val="a_l"/>
+  <p:tag name="KSO_WM_SLIDE_LAYOUT_CNT" val="1_1"/>
+  <p:tag name="KSO_WM_SLIDE_TYPE" val="text"/>
+  <p:tag name="KSO_WM_BEAUTIFY_FLAG" val="#wm#"/>
+  <p:tag name="KSO_WM_TAG_VERSION" val="1.0"/>
+  <p:tag name="KSO_WM_SLIDE_POSITION" val="221*134"/>
+  <p:tag name="KSO_WM_SLIDE_SIZE" val="544*316"/>
+  <p:tag name="KSO_WM_DIAGRAM_GROUP_CODE" val="l1-2"/>
+</p:tagLst>
+</file>
+
+<file path=ppt/tags/tag27.xml><?xml version="1.0" encoding="utf-8"?>
+<p:tagLst xmlns:a="http://schemas.openxmlformats.org/drawingml/2006/main" xmlns:r="http://schemas.openxmlformats.org/officeDocument/2006/relationships" xmlns:p="http://schemas.openxmlformats.org/presentationml/2006/main">
   <p:tag name="KSO_WM_TAG_VERSION" val="1.0"/>
   <p:tag name="KSO_WM_BEAUTIFY_FLAG" val="#wm#"/>
   <p:tag name="KSO_WM_TEMPLATE_CATEGORY" val="custom"/>
@@ -11099,8 +11093,8 @@
 </p:tagLst>
 </file>
 
-<file path=ppt/tags/tag27.xml><?xml version="1.0" encoding="utf-8"?>
-<p:tagLst xmlns:p="http://schemas.openxmlformats.org/presentationml/2006/main">
+<file path=ppt/tags/tag28.xml><?xml version="1.0" encoding="utf-8"?>
+<p:tagLst xmlns:a="http://schemas.openxmlformats.org/drawingml/2006/main" xmlns:r="http://schemas.openxmlformats.org/officeDocument/2006/relationships" xmlns:p="http://schemas.openxmlformats.org/presentationml/2006/main">
   <p:tag name="KSO_WM_TAG_VERSION" val="1.0"/>
   <p:tag name="KSO_WM_BEAUTIFY_FLAG" val="#wm#"/>
   <p:tag name="KSO_WM_TEMPLATE_CATEGORY" val="custom"/>
@@ -11119,26 +11113,8 @@
 </p:tagLst>
 </file>
 
-<file path=ppt/tags/tag28.xml><?xml version="1.0" encoding="utf-8"?>
-<p:tagLst xmlns:p="http://schemas.openxmlformats.org/presentationml/2006/main">
-  <p:tag name="KSO_WM_TEMPLATE_CATEGORY" val="custom"/>
-  <p:tag name="KSO_WM_TEMPLATE_INDEX" val="160472"/>
-  <p:tag name="KSO_WM_SLIDE_ID" val="custom160472_14"/>
-  <p:tag name="KSO_WM_SLIDE_INDEX" val="14"/>
-  <p:tag name="KSO_WM_SLIDE_ITEM_CNT" val="2"/>
-  <p:tag name="KSO_WM_SLIDE_LAYOUT" val="a_l"/>
-  <p:tag name="KSO_WM_SLIDE_LAYOUT_CNT" val="1_1"/>
-  <p:tag name="KSO_WM_SLIDE_TYPE" val="text"/>
-  <p:tag name="KSO_WM_BEAUTIFY_FLAG" val="#wm#"/>
-  <p:tag name="KSO_WM_TAG_VERSION" val="1.0"/>
-  <p:tag name="KSO_WM_SLIDE_POSITION" val="221*134"/>
-  <p:tag name="KSO_WM_SLIDE_SIZE" val="544*316"/>
-  <p:tag name="KSO_WM_DIAGRAM_GROUP_CODE" val="l1-2"/>
-</p:tagLst>
-</file>
-
 <file path=ppt/tags/tag29.xml><?xml version="1.0" encoding="utf-8"?>
-<p:tagLst xmlns:p="http://schemas.openxmlformats.org/presentationml/2006/main">
+<p:tagLst xmlns:a="http://schemas.openxmlformats.org/drawingml/2006/main" xmlns:r="http://schemas.openxmlformats.org/officeDocument/2006/relationships" xmlns:p="http://schemas.openxmlformats.org/presentationml/2006/main">
   <p:tag name="KSO_WM_TEMPLATE_CATEGORY" val="custom"/>
   <p:tag name="KSO_WM_TEMPLATE_INDEX" val="160472"/>
   <p:tag name="KSO_WM_SLIDE_ID" val="custom160472_15"/>
@@ -11156,7 +11132,156 @@
 </file>
 
 <file path=ppt/tags/tag3.xml><?xml version="1.0" encoding="utf-8"?>
-<p:tagLst xmlns:p="http://schemas.openxmlformats.org/presentationml/2006/main">
+<p:tagLst xmlns:a="http://schemas.openxmlformats.org/drawingml/2006/main" xmlns:r="http://schemas.openxmlformats.org/officeDocument/2006/relationships" xmlns:p="http://schemas.openxmlformats.org/presentationml/2006/main">
+  <p:tag name="KSO_WM_TEMPLATE_THUMBS_INDEX" val="1、9、12、16、19、20、23、27"/>
+  <p:tag name="KSO_WM_TEMPLATE_CATEGORY" val="custom"/>
+  <p:tag name="KSO_WM_TEMPLATE_INDEX" val="160472"/>
+  <p:tag name="KSO_WM_SLIDE_ID" val="custom160472_1"/>
+  <p:tag name="KSO_WM_SLIDE_INDEX" val="1"/>
+  <p:tag name="KSO_WM_SLIDE_ITEM_CNT" val="2"/>
+  <p:tag name="KSO_WM_SLIDE_LAYOUT" val="a_b"/>
+  <p:tag name="KSO_WM_SLIDE_LAYOUT_CNT" val="1_1"/>
+  <p:tag name="KSO_WM_SLIDE_TYPE" val="title"/>
+  <p:tag name="KSO_WM_BEAUTIFY_FLAG" val="#wm#"/>
+  <p:tag name="KSO_WM_TAG_VERSION" val="1.0"/>
+</p:tagLst>
+</file>
+
+<file path=ppt/tags/tag30.xml><?xml version="1.0" encoding="utf-8"?>
+<p:tagLst xmlns:a="http://schemas.openxmlformats.org/drawingml/2006/main" xmlns:r="http://schemas.openxmlformats.org/officeDocument/2006/relationships" xmlns:p="http://schemas.openxmlformats.org/presentationml/2006/main">
+  <p:tag name="KSO_WM_TEMPLATE_CATEGORY" val="custom"/>
+  <p:tag name="KSO_WM_TEMPLATE_INDEX" val="160472"/>
+  <p:tag name="KSO_WM_SLIDE_ID" val="custom160472_16"/>
+  <p:tag name="KSO_WM_SLIDE_INDEX" val="16"/>
+  <p:tag name="KSO_WM_SLIDE_ITEM_CNT" val="4"/>
+  <p:tag name="KSO_WM_SLIDE_LAYOUT" val="a_l"/>
+  <p:tag name="KSO_WM_SLIDE_LAYOUT_CNT" val="1_1"/>
+  <p:tag name="KSO_WM_SLIDE_TYPE" val="text"/>
+  <p:tag name="KSO_WM_BEAUTIFY_FLAG" val="#wm#"/>
+  <p:tag name="KSO_WM_TAG_VERSION" val="1.0"/>
+  <p:tag name="KSO_WM_SLIDE_POSITION" val="208*149"/>
+  <p:tag name="KSO_WM_SLIDE_SIZE" val="544*301"/>
+  <p:tag name="KSO_WM_DIAGRAM_GROUP_CODE" val="l1-2"/>
+</p:tagLst>
+</file>
+
+<file path=ppt/tags/tag31.xml><?xml version="1.0" encoding="utf-8"?>
+<p:tagLst xmlns:a="http://schemas.openxmlformats.org/drawingml/2006/main" xmlns:r="http://schemas.openxmlformats.org/officeDocument/2006/relationships" xmlns:p="http://schemas.openxmlformats.org/presentationml/2006/main">
+  <p:tag name="KSO_WM_TAG_VERSION" val="1.0"/>
+  <p:tag name="KSO_WM_BEAUTIFY_FLAG" val="#wm#"/>
+  <p:tag name="KSO_WM_TEMPLATE_CATEGORY" val="custom"/>
+  <p:tag name="KSO_WM_TEMPLATE_INDEX" val="160472"/>
+  <p:tag name="KSO_WM_UNIT_TYPE" val="a"/>
+  <p:tag name="KSO_WM_UNIT_INDEX" val="1"/>
+  <p:tag name="KSO_WM_UNIT_ID" val="custom160472_3*a*1"/>
+  <p:tag name="KSO_WM_UNIT_CLEAR" val="1"/>
+  <p:tag name="KSO_WM_UNIT_LAYERLEVEL" val="1"/>
+  <p:tag name="KSO_WM_UNIT_VALUE" val="25"/>
+  <p:tag name="KSO_WM_UNIT_ISCONTENTSTITLE" val="0"/>
+  <p:tag name="KSO_WM_UNIT_HIGHLIGHT" val="0"/>
+  <p:tag name="KSO_WM_UNIT_COMPATIBLE" val="0"/>
+  <p:tag name="KSO_WM_UNIT_PRESET_TEXT_INDEX" val="3"/>
+  <p:tag name="KSO_WM_UNIT_PRESET_TEXT_LEN" val="17"/>
+</p:tagLst>
+</file>
+
+<file path=ppt/tags/tag32.xml><?xml version="1.0" encoding="utf-8"?>
+<p:tagLst xmlns:a="http://schemas.openxmlformats.org/drawingml/2006/main" xmlns:r="http://schemas.openxmlformats.org/officeDocument/2006/relationships" xmlns:p="http://schemas.openxmlformats.org/presentationml/2006/main">
+  <p:tag name="KSO_WM_TAG_VERSION" val="1.0"/>
+  <p:tag name="KSO_WM_BEAUTIFY_FLAG" val="#wm#"/>
+  <p:tag name="KSO_WM_TEMPLATE_CATEGORY" val="custom"/>
+  <p:tag name="KSO_WM_TEMPLATE_INDEX" val="160472"/>
+  <p:tag name="KSO_WM_UNIT_TYPE" val="f"/>
+  <p:tag name="KSO_WM_UNIT_INDEX" val="1"/>
+  <p:tag name="KSO_WM_UNIT_ID" val="custom160472_3*f*1"/>
+  <p:tag name="KSO_WM_UNIT_CLEAR" val="1"/>
+  <p:tag name="KSO_WM_UNIT_LAYERLEVEL" val="1"/>
+  <p:tag name="KSO_WM_UNIT_VALUE" val="128"/>
+  <p:tag name="KSO_WM_UNIT_HIGHLIGHT" val="0"/>
+  <p:tag name="KSO_WM_UNIT_COMPATIBLE" val="0"/>
+  <p:tag name="KSO_WM_UNIT_PRESET_TEXT_INDEX" val="5"/>
+  <p:tag name="KSO_WM_UNIT_PRESET_TEXT_LEN" val="232"/>
+</p:tagLst>
+</file>
+
+<file path=ppt/tags/tag33.xml><?xml version="1.0" encoding="utf-8"?>
+<p:tagLst xmlns:a="http://schemas.openxmlformats.org/drawingml/2006/main" xmlns:r="http://schemas.openxmlformats.org/officeDocument/2006/relationships" xmlns:p="http://schemas.openxmlformats.org/presentationml/2006/main">
+  <p:tag name="KSO_WM_TEMPLATE_CATEGORY" val="custom"/>
+  <p:tag name="KSO_WM_TEMPLATE_INDEX" val="160472"/>
+  <p:tag name="KSO_WM_SLIDE_ID" val="custom160472_17"/>
+  <p:tag name="KSO_WM_SLIDE_INDEX" val="17"/>
+  <p:tag name="KSO_WM_SLIDE_ITEM_CNT" val="5"/>
+  <p:tag name="KSO_WM_SLIDE_LAYOUT" val="a_l"/>
+  <p:tag name="KSO_WM_SLIDE_LAYOUT_CNT" val="1_1"/>
+  <p:tag name="KSO_WM_SLIDE_TYPE" val="text"/>
+  <p:tag name="KSO_WM_BEAUTIFY_FLAG" val="#wm#"/>
+  <p:tag name="KSO_WM_TAG_VERSION" val="1.0"/>
+  <p:tag name="KSO_WM_SLIDE_POSITION" val="208*147"/>
+  <p:tag name="KSO_WM_SLIDE_SIZE" val="544*303"/>
+  <p:tag name="KSO_WM_DIAGRAM_GROUP_CODE" val="l1-2"/>
+</p:tagLst>
+</file>
+
+<file path=ppt/tags/tag34.xml><?xml version="1.0" encoding="utf-8"?>
+<p:tagLst xmlns:a="http://schemas.openxmlformats.org/drawingml/2006/main" xmlns:r="http://schemas.openxmlformats.org/officeDocument/2006/relationships" xmlns:p="http://schemas.openxmlformats.org/presentationml/2006/main">
+  <p:tag name="KSO_WM_BEAUTIFY_FLAG" val="#wm#"/>
+  <p:tag name="KSO_WM_TEMPLATE_CATEGORY" val="custom"/>
+  <p:tag name="KSO_WM_TEMPLATE_INDEX" val="160472"/>
+</p:tagLst>
+</file>
+
+<file path=ppt/tags/tag35.xml><?xml version="1.0" encoding="utf-8"?>
+<p:tagLst xmlns:a="http://schemas.openxmlformats.org/drawingml/2006/main" xmlns:r="http://schemas.openxmlformats.org/officeDocument/2006/relationships" xmlns:p="http://schemas.openxmlformats.org/presentationml/2006/main">
+  <p:tag name="KSO_WM_BEAUTIFY_FLAG" val="#wm#"/>
+  <p:tag name="KSO_WM_TEMPLATE_CATEGORY" val="custom"/>
+  <p:tag name="KSO_WM_TEMPLATE_INDEX" val="160472"/>
+</p:tagLst>
+</file>
+
+<file path=ppt/tags/tag36.xml><?xml version="1.0" encoding="utf-8"?>
+<p:tagLst xmlns:a="http://schemas.openxmlformats.org/drawingml/2006/main" xmlns:r="http://schemas.openxmlformats.org/officeDocument/2006/relationships" xmlns:p="http://schemas.openxmlformats.org/presentationml/2006/main">
+  <p:tag name="KSO_WM_TEMPLATE_CATEGORY" val="custom"/>
+  <p:tag name="KSO_WM_TEMPLATE_INDEX" val="160472"/>
+  <p:tag name="KSO_WM_SLIDE_ID" val="custom160472_25"/>
+  <p:tag name="KSO_WM_SLIDE_INDEX" val="25"/>
+  <p:tag name="KSO_WM_SLIDE_ITEM_CNT" val="5"/>
+  <p:tag name="KSO_WM_SLIDE_LAYOUT" val="a_n"/>
+  <p:tag name="KSO_WM_SLIDE_LAYOUT_CNT" val="1_1"/>
+  <p:tag name="KSO_WM_SLIDE_TYPE" val="text"/>
+  <p:tag name="KSO_WM_BEAUTIFY_FLAG" val="#wm#"/>
+  <p:tag name="KSO_WM_TAG_VERSION" val="1.0"/>
+  <p:tag name="KSO_WM_SLIDE_POSITION" val="213*166"/>
+  <p:tag name="KSO_WM_SLIDE_SIZE" val="536*314"/>
+  <p:tag name="KSO_WM_DIAGRAM_GROUP_CODE" val="n1-1"/>
+</p:tagLst>
+</file>
+
+<file path=ppt/tags/tag37.xml><?xml version="1.0" encoding="utf-8"?>
+<p:tagLst xmlns:a="http://schemas.openxmlformats.org/drawingml/2006/main" xmlns:r="http://schemas.openxmlformats.org/officeDocument/2006/relationships" xmlns:p="http://schemas.openxmlformats.org/presentationml/2006/main">
+  <p:tag name="KSO_WM_BEAUTIFY_FLAG" val="#wm#"/>
+  <p:tag name="KSO_WM_TEMPLATE_CATEGORY" val="custom"/>
+  <p:tag name="KSO_WM_TEMPLATE_INDEX" val="160472"/>
+</p:tagLst>
+</file>
+
+<file path=ppt/tags/tag38.xml><?xml version="1.0" encoding="utf-8"?>
+<p:tagLst xmlns:a="http://schemas.openxmlformats.org/drawingml/2006/main" xmlns:r="http://schemas.openxmlformats.org/officeDocument/2006/relationships" xmlns:p="http://schemas.openxmlformats.org/presentationml/2006/main">
+  <p:tag name="KSO_WM_BEAUTIFY_FLAG" val="#wm#"/>
+  <p:tag name="KSO_WM_TEMPLATE_CATEGORY" val="custom"/>
+  <p:tag name="KSO_WM_TEMPLATE_INDEX" val="160472"/>
+</p:tagLst>
+</file>
+
+<file path=ppt/tags/tag39.xml><?xml version="1.0" encoding="utf-8"?>
+<p:tagLst xmlns:a="http://schemas.openxmlformats.org/drawingml/2006/main" xmlns:r="http://schemas.openxmlformats.org/officeDocument/2006/relationships" xmlns:p="http://schemas.openxmlformats.org/presentationml/2006/main">
+  <p:tag name="KSO_WM_BEAUTIFY_FLAG" val="#wm#"/>
+  <p:tag name="KSO_WM_TEMPLATE_CATEGORY" val="custom"/>
+  <p:tag name="KSO_WM_TEMPLATE_INDEX" val="160472"/>
+</p:tagLst>
+</file>
+
+<file path=ppt/tags/tag4.xml><?xml version="1.0" encoding="utf-8"?>
+<p:tagLst xmlns:a="http://schemas.openxmlformats.org/drawingml/2006/main" xmlns:r="http://schemas.openxmlformats.org/officeDocument/2006/relationships" xmlns:p="http://schemas.openxmlformats.org/presentationml/2006/main">
   <p:tag name="KSO_WM_TAG_VERSION" val="1.0"/>
   <p:tag name="KSO_WM_BEAUTIFY_FLAG" val="#wm#"/>
   <p:tag name="KSO_WM_TEMPLATE_CATEGORY" val="custom"/>
@@ -11175,8 +11300,129 @@
 </p:tagLst>
 </file>
 
-<file path=ppt/tags/tag30.xml><?xml version="1.0" encoding="utf-8"?>
-<p:tagLst xmlns:p="http://schemas.openxmlformats.org/presentationml/2006/main">
+<file path=ppt/tags/tag40.xml><?xml version="1.0" encoding="utf-8"?>
+<p:tagLst xmlns:a="http://schemas.openxmlformats.org/drawingml/2006/main" xmlns:r="http://schemas.openxmlformats.org/officeDocument/2006/relationships" xmlns:p="http://schemas.openxmlformats.org/presentationml/2006/main">
+  <p:tag name="KSO_WM_BEAUTIFY_FLAG" val="#wm#"/>
+  <p:tag name="KSO_WM_TEMPLATE_CATEGORY" val="custom"/>
+  <p:tag name="KSO_WM_TEMPLATE_INDEX" val="160472"/>
+</p:tagLst>
+</file>
+
+<file path=ppt/tags/tag41.xml><?xml version="1.0" encoding="utf-8"?>
+<p:tagLst xmlns:a="http://schemas.openxmlformats.org/drawingml/2006/main" xmlns:r="http://schemas.openxmlformats.org/officeDocument/2006/relationships" xmlns:p="http://schemas.openxmlformats.org/presentationml/2006/main">
+  <p:tag name="KSO_WM_BEAUTIFY_FLAG" val="#wm#"/>
+  <p:tag name="KSO_WM_TEMPLATE_CATEGORY" val="custom"/>
+  <p:tag name="KSO_WM_TEMPLATE_INDEX" val="160472"/>
+</p:tagLst>
+</file>
+
+<file path=ppt/tags/tag42.xml><?xml version="1.0" encoding="utf-8"?>
+<p:tagLst xmlns:a="http://schemas.openxmlformats.org/drawingml/2006/main" xmlns:r="http://schemas.openxmlformats.org/officeDocument/2006/relationships" xmlns:p="http://schemas.openxmlformats.org/presentationml/2006/main">
+  <p:tag name="KSO_WM_TEMPLATE_CATEGORY" val="custom"/>
+  <p:tag name="KSO_WM_TEMPLATE_INDEX" val="160472"/>
+  <p:tag name="KSO_WM_SLIDE_ID" val="custom160472_26"/>
+  <p:tag name="KSO_WM_SLIDE_INDEX" val="26"/>
+  <p:tag name="KSO_WM_SLIDE_ITEM_CNT" val="6"/>
+  <p:tag name="KSO_WM_SLIDE_LAYOUT" val="a_n"/>
+  <p:tag name="KSO_WM_SLIDE_LAYOUT_CNT" val="1_1"/>
+  <p:tag name="KSO_WM_SLIDE_TYPE" val="text"/>
+  <p:tag name="KSO_WM_BEAUTIFY_FLAG" val="#wm#"/>
+  <p:tag name="KSO_WM_TAG_VERSION" val="1.0"/>
+  <p:tag name="KSO_WM_SLIDE_POSITION" val="213*176"/>
+  <p:tag name="KSO_WM_SLIDE_SIZE" val="529*304"/>
+  <p:tag name="KSO_WM_DIAGRAM_GROUP_CODE" val="n1-1"/>
+</p:tagLst>
+</file>
+
+<file path=ppt/tags/tag43.xml><?xml version="1.0" encoding="utf-8"?>
+<p:tagLst xmlns:a="http://schemas.openxmlformats.org/drawingml/2006/main" xmlns:r="http://schemas.openxmlformats.org/officeDocument/2006/relationships" xmlns:p="http://schemas.openxmlformats.org/presentationml/2006/main">
+  <p:tag name="KSO_WM_TEMPLATE_CATEGORY" val="custom"/>
+  <p:tag name="KSO_WM_TEMPLATE_INDEX" val="160472"/>
+  <p:tag name="KSO_WM_SLIDE_ID" val="custom160472_27"/>
+  <p:tag name="KSO_WM_SLIDE_INDEX" val="27"/>
+  <p:tag name="KSO_WM_SLIDE_ITEM_CNT" val="1"/>
+  <p:tag name="KSO_WM_SLIDE_LAYOUT" val="a"/>
+  <p:tag name="KSO_WM_SLIDE_LAYOUT_CNT" val="1"/>
+  <p:tag name="KSO_WM_SLIDE_TYPE" val="endPage"/>
+  <p:tag name="KSO_WM_BEAUTIFY_FLAG" val="#wm#"/>
+  <p:tag name="KSO_WM_TAG_VERSION" val="1.0"/>
+</p:tagLst>
+</file>
+
+<file path=ppt/tags/tag44.xml><?xml version="1.0" encoding="utf-8"?>
+<p:tagLst xmlns:a="http://schemas.openxmlformats.org/drawingml/2006/main" xmlns:r="http://schemas.openxmlformats.org/officeDocument/2006/relationships" xmlns:p="http://schemas.openxmlformats.org/presentationml/2006/main">
+  <p:tag name="KSO_WM_TAG_VERSION" val="1.0"/>
+  <p:tag name="KSO_WM_BEAUTIFY_FLAG" val="#wm#"/>
+  <p:tag name="KSO_WM_TEMPLATE_CATEGORY" val="custom"/>
+  <p:tag name="KSO_WM_TEMPLATE_INDEX" val="160472"/>
+  <p:tag name="KSO_WM_UNIT_TYPE" val="a"/>
+  <p:tag name="KSO_WM_UNIT_INDEX" val="1"/>
+  <p:tag name="KSO_WM_UNIT_ID" val="custom160472_27*a*1"/>
+  <p:tag name="KSO_WM_UNIT_CLEAR" val="1"/>
+  <p:tag name="KSO_WM_UNIT_LAYERLEVEL" val="1"/>
+  <p:tag name="KSO_WM_UNIT_VALUE" val="7"/>
+  <p:tag name="KSO_WM_UNIT_ISCONTENTSTITLE" val="0"/>
+  <p:tag name="KSO_WM_UNIT_HIGHLIGHT" val="0"/>
+  <p:tag name="KSO_WM_UNIT_COMPATIBLE" val="0"/>
+  <p:tag name="KSO_WM_UNIT_PRESET_TEXT" val="THANKS"/>
+</p:tagLst>
+</file>
+
+<file path=ppt/tags/tag5.xml><?xml version="1.0" encoding="utf-8"?>
+<p:tagLst xmlns:a="http://schemas.openxmlformats.org/drawingml/2006/main" xmlns:r="http://schemas.openxmlformats.org/officeDocument/2006/relationships" xmlns:p="http://schemas.openxmlformats.org/presentationml/2006/main">
+  <p:tag name="KSO_WM_TEMPLATE_CATEGORY" val="custom"/>
+  <p:tag name="KSO_WM_TEMPLATE_INDEX" val="160472"/>
+  <p:tag name="KSO_WM_SLIDE_ID" val="custom160472_2"/>
+  <p:tag name="KSO_WM_SLIDE_INDEX" val="2"/>
+  <p:tag name="KSO_WM_SLIDE_ITEM_CNT" val="1"/>
+  <p:tag name="KSO_WM_SLIDE_LAYOUT" val="a_f"/>
+  <p:tag name="KSO_WM_SLIDE_LAYOUT_CNT" val="1_1"/>
+  <p:tag name="KSO_WM_SLIDE_TYPE" val="text"/>
+  <p:tag name="KSO_WM_BEAUTIFY_FLAG" val="#wm#"/>
+  <p:tag name="KSO_WM_TAG_VERSION" val="1.0"/>
+  <p:tag name="KSO_WM_SLIDE_POSITION" val="65*114"/>
+  <p:tag name="KSO_WM_SLIDE_SIZE" val="829*374"/>
+</p:tagLst>
+</file>
+
+<file path=ppt/tags/tag6.xml><?xml version="1.0" encoding="utf-8"?>
+<p:tagLst xmlns:a="http://schemas.openxmlformats.org/drawingml/2006/main" xmlns:r="http://schemas.openxmlformats.org/officeDocument/2006/relationships" xmlns:p="http://schemas.openxmlformats.org/presentationml/2006/main">
+  <p:tag name="KSO_WM_TAG_VERSION" val="1.0"/>
+  <p:tag name="KSO_WM_BEAUTIFY_FLAG" val="#wm#"/>
+  <p:tag name="KSO_WM_TEMPLATE_CATEGORY" val="custom"/>
+  <p:tag name="KSO_WM_TEMPLATE_INDEX" val="160472"/>
+  <p:tag name="KSO_WM_UNIT_TYPE" val="f"/>
+  <p:tag name="KSO_WM_UNIT_INDEX" val="1"/>
+  <p:tag name="KSO_WM_UNIT_ID" val="custom160472_2*f*1"/>
+  <p:tag name="KSO_WM_UNIT_CLEAR" val="1"/>
+  <p:tag name="KSO_WM_UNIT_LAYERLEVEL" val="1"/>
+  <p:tag name="KSO_WM_UNIT_VALUE" val="264"/>
+  <p:tag name="KSO_WM_UNIT_HIGHLIGHT" val="0"/>
+  <p:tag name="KSO_WM_UNIT_COMPATIBLE" val="0"/>
+  <p:tag name="KSO_WM_UNIT_PRESET_TEXT_INDEX" val="5"/>
+  <p:tag name="KSO_WM_UNIT_PRESET_TEXT_LEN" val="232"/>
+</p:tagLst>
+</file>
+
+<file path=ppt/tags/tag7.xml><?xml version="1.0" encoding="utf-8"?>
+<p:tagLst xmlns:a="http://schemas.openxmlformats.org/drawingml/2006/main" xmlns:r="http://schemas.openxmlformats.org/officeDocument/2006/relationships" xmlns:p="http://schemas.openxmlformats.org/presentationml/2006/main">
+  <p:tag name="KSO_WM_TEMPLATE_CATEGORY" val="custom"/>
+  <p:tag name="KSO_WM_TEMPLATE_INDEX" val="160472"/>
+  <p:tag name="KSO_WM_SLIDE_ID" val="custom160472_3"/>
+  <p:tag name="KSO_WM_SLIDE_INDEX" val="3"/>
+  <p:tag name="KSO_WM_SLIDE_ITEM_CNT" val="2"/>
+  <p:tag name="KSO_WM_SLIDE_LAYOUT" val="a_f"/>
+  <p:tag name="KSO_WM_SLIDE_LAYOUT_CNT" val="1_2"/>
+  <p:tag name="KSO_WM_SLIDE_TYPE" val="text"/>
+  <p:tag name="KSO_WM_BEAUTIFY_FLAG" val="#wm#"/>
+  <p:tag name="KSO_WM_TAG_VERSION" val="1.0"/>
+  <p:tag name="KSO_WM_SLIDE_POSITION" val="66*116"/>
+  <p:tag name="KSO_WM_SLIDE_SIZE" val="828*363"/>
+</p:tagLst>
+</file>
+
+<file path=ppt/tags/tag8.xml><?xml version="1.0" encoding="utf-8"?>
+<p:tagLst xmlns:a="http://schemas.openxmlformats.org/drawingml/2006/main" xmlns:r="http://schemas.openxmlformats.org/officeDocument/2006/relationships" xmlns:p="http://schemas.openxmlformats.org/presentationml/2006/main">
   <p:tag name="KSO_WM_TAG_VERSION" val="1.0"/>
   <p:tag name="KSO_WM_BEAUTIFY_FLAG" val="#wm#"/>
   <p:tag name="KSO_WM_TEMPLATE_CATEGORY" val="custom"/>
@@ -11195,8 +11441,8 @@
 </p:tagLst>
 </file>
 
-<file path=ppt/tags/tag31.xml><?xml version="1.0" encoding="utf-8"?>
-<p:tagLst xmlns:p="http://schemas.openxmlformats.org/presentationml/2006/main">
+<file path=ppt/tags/tag9.xml><?xml version="1.0" encoding="utf-8"?>
+<p:tagLst xmlns:a="http://schemas.openxmlformats.org/drawingml/2006/main" xmlns:r="http://schemas.openxmlformats.org/officeDocument/2006/relationships" xmlns:p="http://schemas.openxmlformats.org/presentationml/2006/main">
   <p:tag name="KSO_WM_TAG_VERSION" val="1.0"/>
   <p:tag name="KSO_WM_BEAUTIFY_FLAG" val="#wm#"/>
   <p:tag name="KSO_WM_TEMPLATE_CATEGORY" val="custom"/>
@@ -11211,276 +11457,6 @@
   <p:tag name="KSO_WM_UNIT_COMPATIBLE" val="0"/>
   <p:tag name="KSO_WM_UNIT_PRESET_TEXT_INDEX" val="5"/>
   <p:tag name="KSO_WM_UNIT_PRESET_TEXT_LEN" val="232"/>
-</p:tagLst>
-</file>
-
-<file path=ppt/tags/tag32.xml><?xml version="1.0" encoding="utf-8"?>
-<p:tagLst xmlns:p="http://schemas.openxmlformats.org/presentationml/2006/main">
-  <p:tag name="KSO_WM_TEMPLATE_CATEGORY" val="custom"/>
-  <p:tag name="KSO_WM_TEMPLATE_INDEX" val="160472"/>
-  <p:tag name="KSO_WM_SLIDE_ID" val="custom160472_16"/>
-  <p:tag name="KSO_WM_SLIDE_INDEX" val="16"/>
-  <p:tag name="KSO_WM_SLIDE_ITEM_CNT" val="4"/>
-  <p:tag name="KSO_WM_SLIDE_LAYOUT" val="a_l"/>
-  <p:tag name="KSO_WM_SLIDE_LAYOUT_CNT" val="1_1"/>
-  <p:tag name="KSO_WM_SLIDE_TYPE" val="text"/>
-  <p:tag name="KSO_WM_BEAUTIFY_FLAG" val="#wm#"/>
-  <p:tag name="KSO_WM_TAG_VERSION" val="1.0"/>
-  <p:tag name="KSO_WM_SLIDE_POSITION" val="208*149"/>
-  <p:tag name="KSO_WM_SLIDE_SIZE" val="544*301"/>
-  <p:tag name="KSO_WM_DIAGRAM_GROUP_CODE" val="l1-2"/>
-</p:tagLst>
-</file>
-
-<file path=ppt/tags/tag33.xml><?xml version="1.0" encoding="utf-8"?>
-<p:tagLst xmlns:p="http://schemas.openxmlformats.org/presentationml/2006/main">
-  <p:tag name="KSO_WM_TEMPLATE_CATEGORY" val="custom"/>
-  <p:tag name="KSO_WM_TEMPLATE_INDEX" val="160472"/>
-  <p:tag name="KSO_WM_SLIDE_ID" val="custom160472_17"/>
-  <p:tag name="KSO_WM_SLIDE_INDEX" val="17"/>
-  <p:tag name="KSO_WM_SLIDE_ITEM_CNT" val="5"/>
-  <p:tag name="KSO_WM_SLIDE_LAYOUT" val="a_l"/>
-  <p:tag name="KSO_WM_SLIDE_LAYOUT_CNT" val="1_1"/>
-  <p:tag name="KSO_WM_SLIDE_TYPE" val="text"/>
-  <p:tag name="KSO_WM_BEAUTIFY_FLAG" val="#wm#"/>
-  <p:tag name="KSO_WM_TAG_VERSION" val="1.0"/>
-  <p:tag name="KSO_WM_SLIDE_POSITION" val="208*147"/>
-  <p:tag name="KSO_WM_SLIDE_SIZE" val="544*303"/>
-  <p:tag name="KSO_WM_DIAGRAM_GROUP_CODE" val="l1-2"/>
-</p:tagLst>
-</file>
-
-<file path=ppt/tags/tag34.xml><?xml version="1.0" encoding="utf-8"?>
-<p:tagLst xmlns:p="http://schemas.openxmlformats.org/presentationml/2006/main">
-  <p:tag name="KSO_WM_BEAUTIFY_FLAG" val="#wm#"/>
-  <p:tag name="KSO_WM_TEMPLATE_CATEGORY" val="custom"/>
-  <p:tag name="KSO_WM_TEMPLATE_INDEX" val="160472"/>
-</p:tagLst>
-</file>
-
-<file path=ppt/tags/tag35.xml><?xml version="1.0" encoding="utf-8"?>
-<p:tagLst xmlns:p="http://schemas.openxmlformats.org/presentationml/2006/main">
-  <p:tag name="KSO_WM_BEAUTIFY_FLAG" val="#wm#"/>
-  <p:tag name="KSO_WM_TEMPLATE_CATEGORY" val="custom"/>
-  <p:tag name="KSO_WM_TEMPLATE_INDEX" val="160472"/>
-</p:tagLst>
-</file>
-
-<file path=ppt/tags/tag36.xml><?xml version="1.0" encoding="utf-8"?>
-<p:tagLst xmlns:p="http://schemas.openxmlformats.org/presentationml/2006/main">
-  <p:tag name="KSO_WM_TEMPLATE_CATEGORY" val="custom"/>
-  <p:tag name="KSO_WM_TEMPLATE_INDEX" val="160472"/>
-  <p:tag name="KSO_WM_SLIDE_ID" val="custom160472_25"/>
-  <p:tag name="KSO_WM_SLIDE_INDEX" val="25"/>
-  <p:tag name="KSO_WM_SLIDE_ITEM_CNT" val="5"/>
-  <p:tag name="KSO_WM_SLIDE_LAYOUT" val="a_n"/>
-  <p:tag name="KSO_WM_SLIDE_LAYOUT_CNT" val="1_1"/>
-  <p:tag name="KSO_WM_SLIDE_TYPE" val="text"/>
-  <p:tag name="KSO_WM_BEAUTIFY_FLAG" val="#wm#"/>
-  <p:tag name="KSO_WM_TAG_VERSION" val="1.0"/>
-  <p:tag name="KSO_WM_SLIDE_POSITION" val="213*166"/>
-  <p:tag name="KSO_WM_SLIDE_SIZE" val="536*314"/>
-  <p:tag name="KSO_WM_DIAGRAM_GROUP_CODE" val="n1-1"/>
-</p:tagLst>
-</file>
-
-<file path=ppt/tags/tag37.xml><?xml version="1.0" encoding="utf-8"?>
-<p:tagLst xmlns:p="http://schemas.openxmlformats.org/presentationml/2006/main">
-  <p:tag name="KSO_WM_BEAUTIFY_FLAG" val="#wm#"/>
-  <p:tag name="KSO_WM_TEMPLATE_CATEGORY" val="custom"/>
-  <p:tag name="KSO_WM_TEMPLATE_INDEX" val="160472"/>
-</p:tagLst>
-</file>
-
-<file path=ppt/tags/tag38.xml><?xml version="1.0" encoding="utf-8"?>
-<p:tagLst xmlns:p="http://schemas.openxmlformats.org/presentationml/2006/main">
-  <p:tag name="KSO_WM_BEAUTIFY_FLAG" val="#wm#"/>
-  <p:tag name="KSO_WM_TEMPLATE_CATEGORY" val="custom"/>
-  <p:tag name="KSO_WM_TEMPLATE_INDEX" val="160472"/>
-</p:tagLst>
-</file>
-
-<file path=ppt/tags/tag39.xml><?xml version="1.0" encoding="utf-8"?>
-<p:tagLst xmlns:p="http://schemas.openxmlformats.org/presentationml/2006/main">
-  <p:tag name="KSO_WM_BEAUTIFY_FLAG" val="#wm#"/>
-  <p:tag name="KSO_WM_TEMPLATE_CATEGORY" val="custom"/>
-  <p:tag name="KSO_WM_TEMPLATE_INDEX" val="160472"/>
-</p:tagLst>
-</file>
-
-<file path=ppt/tags/tag4.xml><?xml version="1.0" encoding="utf-8"?>
-<p:tagLst xmlns:p="http://schemas.openxmlformats.org/presentationml/2006/main">
-  <p:tag name="KSO_WM_TEMPLATE_THUMBS_INDEX" val="1、9、12、16、19、20、23、27"/>
-  <p:tag name="KSO_WM_TEMPLATE_CATEGORY" val="custom"/>
-  <p:tag name="KSO_WM_TEMPLATE_INDEX" val="160472"/>
-  <p:tag name="KSO_WM_SLIDE_ID" val="custom160472_1"/>
-  <p:tag name="KSO_WM_SLIDE_INDEX" val="1"/>
-  <p:tag name="KSO_WM_SLIDE_ITEM_CNT" val="2"/>
-  <p:tag name="KSO_WM_SLIDE_LAYOUT" val="a_b"/>
-  <p:tag name="KSO_WM_SLIDE_LAYOUT_CNT" val="1_1"/>
-  <p:tag name="KSO_WM_SLIDE_TYPE" val="title"/>
-  <p:tag name="KSO_WM_BEAUTIFY_FLAG" val="#wm#"/>
-  <p:tag name="KSO_WM_TAG_VERSION" val="1.0"/>
-</p:tagLst>
-</file>
-
-<file path=ppt/tags/tag40.xml><?xml version="1.0" encoding="utf-8"?>
-<p:tagLst xmlns:p="http://schemas.openxmlformats.org/presentationml/2006/main">
-  <p:tag name="KSO_WM_BEAUTIFY_FLAG" val="#wm#"/>
-  <p:tag name="KSO_WM_TEMPLATE_CATEGORY" val="custom"/>
-  <p:tag name="KSO_WM_TEMPLATE_INDEX" val="160472"/>
-</p:tagLst>
-</file>
-
-<file path=ppt/tags/tag41.xml><?xml version="1.0" encoding="utf-8"?>
-<p:tagLst xmlns:p="http://schemas.openxmlformats.org/presentationml/2006/main">
-  <p:tag name="KSO_WM_BEAUTIFY_FLAG" val="#wm#"/>
-  <p:tag name="KSO_WM_TEMPLATE_CATEGORY" val="custom"/>
-  <p:tag name="KSO_WM_TEMPLATE_INDEX" val="160472"/>
-</p:tagLst>
-</file>
-
-<file path=ppt/tags/tag42.xml><?xml version="1.0" encoding="utf-8"?>
-<p:tagLst xmlns:p="http://schemas.openxmlformats.org/presentationml/2006/main">
-  <p:tag name="KSO_WM_TEMPLATE_CATEGORY" val="custom"/>
-  <p:tag name="KSO_WM_TEMPLATE_INDEX" val="160472"/>
-  <p:tag name="KSO_WM_SLIDE_ID" val="custom160472_26"/>
-  <p:tag name="KSO_WM_SLIDE_INDEX" val="26"/>
-  <p:tag name="KSO_WM_SLIDE_ITEM_CNT" val="6"/>
-  <p:tag name="KSO_WM_SLIDE_LAYOUT" val="a_n"/>
-  <p:tag name="KSO_WM_SLIDE_LAYOUT_CNT" val="1_1"/>
-  <p:tag name="KSO_WM_SLIDE_TYPE" val="text"/>
-  <p:tag name="KSO_WM_BEAUTIFY_FLAG" val="#wm#"/>
-  <p:tag name="KSO_WM_TAG_VERSION" val="1.0"/>
-  <p:tag name="KSO_WM_SLIDE_POSITION" val="213*176"/>
-  <p:tag name="KSO_WM_SLIDE_SIZE" val="529*304"/>
-  <p:tag name="KSO_WM_DIAGRAM_GROUP_CODE" val="n1-1"/>
-</p:tagLst>
-</file>
-
-<file path=ppt/tags/tag43.xml><?xml version="1.0" encoding="utf-8"?>
-<p:tagLst xmlns:p="http://schemas.openxmlformats.org/presentationml/2006/main">
-  <p:tag name="KSO_WM_TAG_VERSION" val="1.0"/>
-  <p:tag name="KSO_WM_BEAUTIFY_FLAG" val="#wm#"/>
-  <p:tag name="KSO_WM_TEMPLATE_CATEGORY" val="custom"/>
-  <p:tag name="KSO_WM_TEMPLATE_INDEX" val="160472"/>
-  <p:tag name="KSO_WM_UNIT_TYPE" val="a"/>
-  <p:tag name="KSO_WM_UNIT_INDEX" val="1"/>
-  <p:tag name="KSO_WM_UNIT_ID" val="custom160472_27*a*1"/>
-  <p:tag name="KSO_WM_UNIT_CLEAR" val="1"/>
-  <p:tag name="KSO_WM_UNIT_LAYERLEVEL" val="1"/>
-  <p:tag name="KSO_WM_UNIT_VALUE" val="7"/>
-  <p:tag name="KSO_WM_UNIT_ISCONTENTSTITLE" val="0"/>
-  <p:tag name="KSO_WM_UNIT_HIGHLIGHT" val="0"/>
-  <p:tag name="KSO_WM_UNIT_COMPATIBLE" val="0"/>
-  <p:tag name="KSO_WM_UNIT_PRESET_TEXT" val="THANKS"/>
-</p:tagLst>
-</file>
-
-<file path=ppt/tags/tag44.xml><?xml version="1.0" encoding="utf-8"?>
-<p:tagLst xmlns:p="http://schemas.openxmlformats.org/presentationml/2006/main">
-  <p:tag name="KSO_WM_TEMPLATE_CATEGORY" val="custom"/>
-  <p:tag name="KSO_WM_TEMPLATE_INDEX" val="160472"/>
-  <p:tag name="KSO_WM_SLIDE_ID" val="custom160472_27"/>
-  <p:tag name="KSO_WM_SLIDE_INDEX" val="27"/>
-  <p:tag name="KSO_WM_SLIDE_ITEM_CNT" val="1"/>
-  <p:tag name="KSO_WM_SLIDE_LAYOUT" val="a"/>
-  <p:tag name="KSO_WM_SLIDE_LAYOUT_CNT" val="1"/>
-  <p:tag name="KSO_WM_SLIDE_TYPE" val="endPage"/>
-  <p:tag name="KSO_WM_BEAUTIFY_FLAG" val="#wm#"/>
-  <p:tag name="KSO_WM_TAG_VERSION" val="1.0"/>
-</p:tagLst>
-</file>
-
-<file path=ppt/tags/tag5.xml><?xml version="1.0" encoding="utf-8"?>
-<p:tagLst xmlns:p="http://schemas.openxmlformats.org/presentationml/2006/main">
-  <p:tag name="KSO_WM_TAG_VERSION" val="1.0"/>
-  <p:tag name="KSO_WM_BEAUTIFY_FLAG" val="#wm#"/>
-  <p:tag name="KSO_WM_TEMPLATE_CATEGORY" val="custom"/>
-  <p:tag name="KSO_WM_TEMPLATE_INDEX" val="160472"/>
-  <p:tag name="KSO_WM_UNIT_TYPE" val="f"/>
-  <p:tag name="KSO_WM_UNIT_INDEX" val="1"/>
-  <p:tag name="KSO_WM_UNIT_ID" val="custom160472_2*f*1"/>
-  <p:tag name="KSO_WM_UNIT_CLEAR" val="1"/>
-  <p:tag name="KSO_WM_UNIT_LAYERLEVEL" val="1"/>
-  <p:tag name="KSO_WM_UNIT_VALUE" val="264"/>
-  <p:tag name="KSO_WM_UNIT_HIGHLIGHT" val="0"/>
-  <p:tag name="KSO_WM_UNIT_COMPATIBLE" val="0"/>
-  <p:tag name="KSO_WM_UNIT_PRESET_TEXT_INDEX" val="5"/>
-  <p:tag name="KSO_WM_UNIT_PRESET_TEXT_LEN" val="232"/>
-</p:tagLst>
-</file>
-
-<file path=ppt/tags/tag6.xml><?xml version="1.0" encoding="utf-8"?>
-<p:tagLst xmlns:p="http://schemas.openxmlformats.org/presentationml/2006/main">
-  <p:tag name="KSO_WM_TEMPLATE_CATEGORY" val="custom"/>
-  <p:tag name="KSO_WM_TEMPLATE_INDEX" val="160472"/>
-  <p:tag name="KSO_WM_SLIDE_ID" val="custom160472_2"/>
-  <p:tag name="KSO_WM_SLIDE_INDEX" val="2"/>
-  <p:tag name="KSO_WM_SLIDE_ITEM_CNT" val="1"/>
-  <p:tag name="KSO_WM_SLIDE_LAYOUT" val="a_f"/>
-  <p:tag name="KSO_WM_SLIDE_LAYOUT_CNT" val="1_1"/>
-  <p:tag name="KSO_WM_SLIDE_TYPE" val="text"/>
-  <p:tag name="KSO_WM_BEAUTIFY_FLAG" val="#wm#"/>
-  <p:tag name="KSO_WM_TAG_VERSION" val="1.0"/>
-  <p:tag name="KSO_WM_SLIDE_POSITION" val="65*114"/>
-  <p:tag name="KSO_WM_SLIDE_SIZE" val="829*374"/>
-</p:tagLst>
-</file>
-
-<file path=ppt/tags/tag7.xml><?xml version="1.0" encoding="utf-8"?>
-<p:tagLst xmlns:p="http://schemas.openxmlformats.org/presentationml/2006/main">
-  <p:tag name="KSO_WM_TAG_VERSION" val="1.0"/>
-  <p:tag name="KSO_WM_BEAUTIFY_FLAG" val="#wm#"/>
-  <p:tag name="KSO_WM_TEMPLATE_CATEGORY" val="custom"/>
-  <p:tag name="KSO_WM_TEMPLATE_INDEX" val="160472"/>
-  <p:tag name="KSO_WM_UNIT_TYPE" val="a"/>
-  <p:tag name="KSO_WM_UNIT_INDEX" val="1"/>
-  <p:tag name="KSO_WM_UNIT_ID" val="custom160472_3*a*1"/>
-  <p:tag name="KSO_WM_UNIT_CLEAR" val="1"/>
-  <p:tag name="KSO_WM_UNIT_LAYERLEVEL" val="1"/>
-  <p:tag name="KSO_WM_UNIT_VALUE" val="25"/>
-  <p:tag name="KSO_WM_UNIT_ISCONTENTSTITLE" val="0"/>
-  <p:tag name="KSO_WM_UNIT_HIGHLIGHT" val="0"/>
-  <p:tag name="KSO_WM_UNIT_COMPATIBLE" val="0"/>
-  <p:tag name="KSO_WM_UNIT_PRESET_TEXT_INDEX" val="3"/>
-  <p:tag name="KSO_WM_UNIT_PRESET_TEXT_LEN" val="17"/>
-</p:tagLst>
-</file>
-
-<file path=ppt/tags/tag8.xml><?xml version="1.0" encoding="utf-8"?>
-<p:tagLst xmlns:p="http://schemas.openxmlformats.org/presentationml/2006/main">
-  <p:tag name="KSO_WM_TAG_VERSION" val="1.0"/>
-  <p:tag name="KSO_WM_BEAUTIFY_FLAG" val="#wm#"/>
-  <p:tag name="KSO_WM_TEMPLATE_CATEGORY" val="custom"/>
-  <p:tag name="KSO_WM_TEMPLATE_INDEX" val="160472"/>
-  <p:tag name="KSO_WM_UNIT_TYPE" val="f"/>
-  <p:tag name="KSO_WM_UNIT_INDEX" val="1"/>
-  <p:tag name="KSO_WM_UNIT_ID" val="custom160472_3*f*1"/>
-  <p:tag name="KSO_WM_UNIT_CLEAR" val="1"/>
-  <p:tag name="KSO_WM_UNIT_LAYERLEVEL" val="1"/>
-  <p:tag name="KSO_WM_UNIT_VALUE" val="128"/>
-  <p:tag name="KSO_WM_UNIT_HIGHLIGHT" val="0"/>
-  <p:tag name="KSO_WM_UNIT_COMPATIBLE" val="0"/>
-  <p:tag name="KSO_WM_UNIT_PRESET_TEXT_INDEX" val="5"/>
-  <p:tag name="KSO_WM_UNIT_PRESET_TEXT_LEN" val="232"/>
-</p:tagLst>
-</file>
-
-<file path=ppt/tags/tag9.xml><?xml version="1.0" encoding="utf-8"?>
-<p:tagLst xmlns:p="http://schemas.openxmlformats.org/presentationml/2006/main">
-  <p:tag name="KSO_WM_TEMPLATE_CATEGORY" val="custom"/>
-  <p:tag name="KSO_WM_TEMPLATE_INDEX" val="160472"/>
-  <p:tag name="KSO_WM_SLIDE_ID" val="custom160472_3"/>
-  <p:tag name="KSO_WM_SLIDE_INDEX" val="3"/>
-  <p:tag name="KSO_WM_SLIDE_ITEM_CNT" val="2"/>
-  <p:tag name="KSO_WM_SLIDE_LAYOUT" val="a_f"/>
-  <p:tag name="KSO_WM_SLIDE_LAYOUT_CNT" val="1_2"/>
-  <p:tag name="KSO_WM_SLIDE_TYPE" val="text"/>
-  <p:tag name="KSO_WM_BEAUTIFY_FLAG" val="#wm#"/>
-  <p:tag name="KSO_WM_TAG_VERSION" val="1.0"/>
-  <p:tag name="KSO_WM_SLIDE_POSITION" val="66*116"/>
-  <p:tag name="KSO_WM_SLIDE_SIZE" val="828*363"/>
 </p:tagLst>
 </file>
 
@@ -11735,6 +11711,8 @@
       </a:bgFillStyleLst>
     </a:fmtScheme>
   </a:themeElements>
+  <a:objectDefaults/>
+  <a:extraClrSchemeLst/>
   <a:extLst>
     <a:ext uri="{05A4C25C-085E-4340-85A3-A5531E510DB2}">
       <thm15:themeFamily xmlns:thm15="http://schemas.microsoft.com/office/thememl/2012/main" name="Office Theme" id="{62F939B6-93AF-4DB8-9C6B-D6C7DFDC589F}" vid="{4A3C46E8-61CC-4603-A589-7422A47A8E4A}"/>
@@ -11994,6 +11972,8 @@
       </a:bgFillStyleLst>
     </a:fmtScheme>
   </a:themeElements>
+  <a:objectDefaults/>
+  <a:extraClrSchemeLst/>
   <a:extLst>
     <a:ext uri="{05A4C25C-085E-4340-85A3-A5531E510DB2}">
       <thm15:themeFamily xmlns:thm15="http://schemas.microsoft.com/office/thememl/2012/main" name="Office Theme" id="{62F939B6-93AF-4DB8-9C6B-D6C7DFDC589F}" vid="{4A3C46E8-61CC-4603-A589-7422A47A8E4A}"/>
